--- a/修論/本文/figure/fig_2_1_wafer_structure.pptx
+++ b/修論/本文/figure/fig_2_1_wafer_structure.pptx
@@ -200,7 +200,7 @@
           <a:p>
             <a:fld id="{8DFBEA63-8B98-9F41-875C-A608084193E2}" type="datetimeFigureOut">
               <a:rPr kumimoji="1" lang="ja-JP" altLang="en-US" smtClean="0"/>
-              <a:t>2018/12/22</a:t>
+              <a:t>2018/12/30</a:t>
             </a:fld>
             <a:endParaRPr kumimoji="1" lang="ja-JP" altLang="en-US"/>
           </a:p>
@@ -613,7 +613,7 @@
           <a:p>
             <a:fld id="{9BDF24C7-6B41-7845-844E-C35E95C0B0B9}" type="datetime1">
               <a:rPr kumimoji="1" lang="ja-JP" altLang="en-US" smtClean="0"/>
-              <a:t>2018/12/22</a:t>
+              <a:t>2018/12/30</a:t>
             </a:fld>
             <a:endParaRPr kumimoji="1" lang="ja-JP" altLang="en-US"/>
           </a:p>
@@ -791,7 +791,7 @@
           <a:p>
             <a:fld id="{B6D716B3-C6A7-AB4D-9CCA-4BD943D45596}" type="datetime1">
               <a:rPr kumimoji="1" lang="ja-JP" altLang="en-US" smtClean="0"/>
-              <a:t>2018/12/22</a:t>
+              <a:t>2018/12/30</a:t>
             </a:fld>
             <a:endParaRPr kumimoji="1" lang="ja-JP" altLang="en-US"/>
           </a:p>
@@ -979,7 +979,7 @@
           <a:p>
             <a:fld id="{B49D39CA-ABF6-9A49-BC13-35A7F54DC8B3}" type="datetime1">
               <a:rPr kumimoji="1" lang="ja-JP" altLang="en-US" smtClean="0"/>
-              <a:t>2018/12/22</a:t>
+              <a:t>2018/12/30</a:t>
             </a:fld>
             <a:endParaRPr kumimoji="1" lang="ja-JP" altLang="en-US"/>
           </a:p>
@@ -1157,7 +1157,7 @@
           <a:p>
             <a:fld id="{4578804A-DA16-7F4F-8051-536C0692ABA8}" type="datetime1">
               <a:rPr kumimoji="1" lang="ja-JP" altLang="en-US" smtClean="0"/>
-              <a:t>2018/12/22</a:t>
+              <a:t>2018/12/30</a:t>
             </a:fld>
             <a:endParaRPr kumimoji="1" lang="ja-JP" altLang="en-US"/>
           </a:p>
@@ -1438,7 +1438,7 @@
           <a:p>
             <a:fld id="{484D6240-46EB-2641-ACCF-E7D6D609C3B8}" type="datetime1">
               <a:rPr kumimoji="1" lang="ja-JP" altLang="en-US" smtClean="0"/>
-              <a:t>2018/12/22</a:t>
+              <a:t>2018/12/30</a:t>
             </a:fld>
             <a:endParaRPr kumimoji="1" lang="ja-JP" altLang="en-US"/>
           </a:p>
@@ -1686,7 +1686,7 @@
           <a:p>
             <a:fld id="{A0AAE704-E227-5949-8862-C82080F7D381}" type="datetime1">
               <a:rPr kumimoji="1" lang="ja-JP" altLang="en-US" smtClean="0"/>
-              <a:t>2018/12/22</a:t>
+              <a:t>2018/12/30</a:t>
             </a:fld>
             <a:endParaRPr kumimoji="1" lang="ja-JP" altLang="en-US"/>
           </a:p>
@@ -2143,7 +2143,7 @@
           <a:p>
             <a:fld id="{A055EB14-B044-4543-B8A1-8EF8A00D3592}" type="datetime1">
               <a:rPr kumimoji="1" lang="ja-JP" altLang="en-US" smtClean="0"/>
-              <a:t>2018/12/22</a:t>
+              <a:t>2018/12/30</a:t>
             </a:fld>
             <a:endParaRPr kumimoji="1" lang="ja-JP" altLang="en-US"/>
           </a:p>
@@ -2261,7 +2261,7 @@
           <a:p>
             <a:fld id="{CF45A974-7BB0-3E49-8812-AD1A6A105C8D}" type="datetime1">
               <a:rPr kumimoji="1" lang="ja-JP" altLang="en-US" smtClean="0"/>
-              <a:t>2018/12/22</a:t>
+              <a:t>2018/12/30</a:t>
             </a:fld>
             <a:endParaRPr kumimoji="1" lang="ja-JP" altLang="en-US"/>
           </a:p>
@@ -2356,7 +2356,7 @@
           <a:p>
             <a:fld id="{BACD50BD-1D0E-2442-8064-D04A1313C0AF}" type="datetime1">
               <a:rPr kumimoji="1" lang="ja-JP" altLang="en-US" smtClean="0"/>
-              <a:t>2018/12/22</a:t>
+              <a:t>2018/12/30</a:t>
             </a:fld>
             <a:endParaRPr kumimoji="1" lang="ja-JP" altLang="en-US"/>
           </a:p>
@@ -2678,7 +2678,7 @@
           <a:p>
             <a:fld id="{45B1EC6C-E332-374D-9460-F9DB82655DCB}" type="datetime1">
               <a:rPr kumimoji="1" lang="ja-JP" altLang="en-US" smtClean="0"/>
-              <a:t>2018/12/22</a:t>
+              <a:t>2018/12/30</a:t>
             </a:fld>
             <a:endParaRPr kumimoji="1" lang="ja-JP" altLang="en-US"/>
           </a:p>
@@ -2972,7 +2972,7 @@
           <a:p>
             <a:fld id="{2CCCF1FB-052D-1B47-8D5F-CC6D6E16C2FD}" type="datetime1">
               <a:rPr kumimoji="1" lang="ja-JP" altLang="en-US" smtClean="0"/>
-              <a:t>2018/12/22</a:t>
+              <a:t>2018/12/30</a:t>
             </a:fld>
             <a:endParaRPr kumimoji="1" lang="ja-JP" altLang="en-US"/>
           </a:p>
@@ -3193,7 +3193,7 @@
           <a:p>
             <a:fld id="{DB77BAEC-72CD-BB44-9B46-2B73B6701ED0}" type="datetime1">
               <a:rPr kumimoji="1" lang="ja-JP" altLang="en-US" smtClean="0"/>
-              <a:t>2018/12/22</a:t>
+              <a:t>2018/12/30</a:t>
             </a:fld>
             <a:endParaRPr kumimoji="1" lang="ja-JP" altLang="en-US"/>
           </a:p>
@@ -3599,12 +3599,417 @@
           <a:chExt cx="0" cy="0"/>
         </a:xfrm>
       </p:grpSpPr>
+      <p:cxnSp>
+        <p:nvCxnSpPr>
+          <p:cNvPr id="122" name="直線コネクタ 121">
+            <a:extLst>
+              <a:ext uri="{FF2B5EF4-FFF2-40B4-BE49-F238E27FC236}">
+                <a16:creationId xmlns:a16="http://schemas.microsoft.com/office/drawing/2014/main" id="{BF8DC7CB-BEC7-D149-A765-0742B1F762E4}"/>
+              </a:ext>
+            </a:extLst>
+          </p:cNvPr>
+          <p:cNvCxnSpPr>
+            <a:cxnSpLocks/>
+          </p:cNvCxnSpPr>
+          <p:nvPr/>
+        </p:nvCxnSpPr>
+        <p:spPr>
+          <a:xfrm flipV="1">
+            <a:off x="6089904" y="190021"/>
+            <a:ext cx="0" cy="7643149"/>
+          </a:xfrm>
+          <a:prstGeom prst="line">
+            <a:avLst/>
+          </a:prstGeom>
+          <a:ln>
+            <a:prstDash val="sysDot"/>
+          </a:ln>
+        </p:spPr>
+        <p:style>
+          <a:lnRef idx="1">
+            <a:schemeClr val="dk1"/>
+          </a:lnRef>
+          <a:fillRef idx="0">
+            <a:schemeClr val="dk1"/>
+          </a:fillRef>
+          <a:effectRef idx="0">
+            <a:schemeClr val="dk1"/>
+          </a:effectRef>
+          <a:fontRef idx="minor">
+            <a:schemeClr val="tx1"/>
+          </a:fontRef>
+        </p:style>
+      </p:cxnSp>
+      <p:cxnSp>
+        <p:nvCxnSpPr>
+          <p:cNvPr id="89" name="直線コネクタ 88">
+            <a:extLst>
+              <a:ext uri="{FF2B5EF4-FFF2-40B4-BE49-F238E27FC236}">
+                <a16:creationId xmlns:a16="http://schemas.microsoft.com/office/drawing/2014/main" id="{6D8822CC-19F4-E84B-911C-BA7B640A60A6}"/>
+              </a:ext>
+            </a:extLst>
+          </p:cNvPr>
+          <p:cNvCxnSpPr>
+            <a:cxnSpLocks/>
+          </p:cNvCxnSpPr>
+          <p:nvPr/>
+        </p:nvCxnSpPr>
+        <p:spPr>
+          <a:xfrm flipV="1">
+            <a:off x="5283553" y="47293"/>
+            <a:ext cx="0" cy="7741507"/>
+          </a:xfrm>
+          <a:prstGeom prst="line">
+            <a:avLst/>
+          </a:prstGeom>
+          <a:ln>
+            <a:prstDash val="sysDot"/>
+            <a:headEnd type="none" w="med" len="med"/>
+            <a:tailEnd type="arrow" w="med" len="med"/>
+          </a:ln>
+        </p:spPr>
+        <p:style>
+          <a:lnRef idx="1">
+            <a:schemeClr val="dk1"/>
+          </a:lnRef>
+          <a:fillRef idx="0">
+            <a:schemeClr val="dk1"/>
+          </a:fillRef>
+          <a:effectRef idx="0">
+            <a:schemeClr val="dk1"/>
+          </a:effectRef>
+          <a:fontRef idx="minor">
+            <a:schemeClr val="tx1"/>
+          </a:fontRef>
+        </p:style>
+      </p:cxnSp>
+      <p:sp>
+        <p:nvSpPr>
+          <p:cNvPr id="169" name="正方形/長方形 168">
+            <a:extLst>
+              <a:ext uri="{FF2B5EF4-FFF2-40B4-BE49-F238E27FC236}">
+                <a16:creationId xmlns:a16="http://schemas.microsoft.com/office/drawing/2014/main" id="{3D4E9F17-2ECE-3C42-8EEF-325F2F423C8D}"/>
+              </a:ext>
+            </a:extLst>
+          </p:cNvPr>
+          <p:cNvSpPr/>
+          <p:nvPr/>
+        </p:nvSpPr>
+        <p:spPr>
+          <a:xfrm>
+            <a:off x="6427628" y="280973"/>
+            <a:ext cx="2956266" cy="2478862"/>
+          </a:xfrm>
+          <a:prstGeom prst="rect">
+            <a:avLst/>
+          </a:prstGeom>
+          <a:noFill/>
+          <a:ln w="12700" cap="flat" cmpd="sng" algn="ctr">
+            <a:noFill/>
+            <a:prstDash val="solid"/>
+            <a:miter lim="800000"/>
+          </a:ln>
+          <a:effectLst/>
+        </p:spPr>
+        <p:txBody>
+          <a:bodyPr rtlCol="0" anchor="ctr"/>
+          <a:lstStyle/>
+          <a:p>
+            <a:pPr marL="0" marR="0" lvl="0" indent="0" algn="ctr" defTabSz="914400" eaLnBrk="1" fontAlgn="auto" latinLnBrk="0" hangingPunct="1">
+              <a:lnSpc>
+                <a:spcPct val="100000"/>
+              </a:lnSpc>
+              <a:spcBef>
+                <a:spcPts val="0"/>
+              </a:spcBef>
+              <a:spcAft>
+                <a:spcPts val="0"/>
+              </a:spcAft>
+              <a:buClrTx/>
+              <a:buSzTx/>
+              <a:buFontTx/>
+              <a:buNone/>
+              <a:tabLst/>
+              <a:defRPr/>
+            </a:pPr>
+            <a:r>
+              <a:rPr lang="en-US" altLang="ja-JP" sz="1600" kern="0" dirty="0">
+                <a:latin typeface="Arial" panose="020B0604020202020204" pitchFamily="34" charset="0"/>
+                <a:ea typeface="游ゴシック" panose="020B0400000000000000" pitchFamily="50" charset="-128"/>
+                <a:cs typeface="Arial" panose="020B0604020202020204" pitchFamily="34" charset="0"/>
+              </a:rPr>
+              <a:t>3</a:t>
+            </a:r>
+            <a:r>
+              <a:rPr kumimoji="1" lang="en-US" altLang="ja-JP" sz="1600" b="0" i="0" u="none" strike="noStrike" kern="0" cap="none" spc="0" normalizeH="0" baseline="0" noProof="0" dirty="0">
+                <a:ln>
+                  <a:noFill/>
+                </a:ln>
+                <a:effectLst/>
+                <a:uLnTx/>
+                <a:uFillTx/>
+                <a:latin typeface="Arial" panose="020B0604020202020204" pitchFamily="34" charset="0"/>
+                <a:ea typeface="游ゴシック" panose="020B0400000000000000" pitchFamily="50" charset="-128"/>
+                <a:cs typeface="Arial" panose="020B0604020202020204" pitchFamily="34" charset="0"/>
+              </a:rPr>
+              <a:t> </a:t>
+            </a:r>
+            <a:r>
+              <a:rPr lang="ja-JP" altLang="en-US" sz="1600" kern="0">
+                <a:latin typeface="Arial" panose="020B0604020202020204" pitchFamily="34" charset="0"/>
+                <a:ea typeface="游ゴシック" panose="020B0400000000000000" pitchFamily="50" charset="-128"/>
+                <a:cs typeface="Arial" panose="020B0604020202020204" pitchFamily="34" charset="0"/>
+              </a:rPr>
+              <a:t>周期</a:t>
+            </a:r>
+            <a:endParaRPr kumimoji="1" lang="en-US" altLang="ja-JP" sz="1600" b="0" i="0" u="none" strike="noStrike" kern="0" cap="none" spc="0" normalizeH="0" baseline="0" noProof="0" dirty="0">
+              <a:ln>
+                <a:noFill/>
+              </a:ln>
+              <a:effectLst/>
+              <a:uLnTx/>
+              <a:uFillTx/>
+              <a:latin typeface="Arial" panose="020B0604020202020204" pitchFamily="34" charset="0"/>
+              <a:ea typeface="游ゴシック" panose="020B0400000000000000" pitchFamily="50" charset="-128"/>
+              <a:cs typeface="Arial" panose="020B0604020202020204" pitchFamily="34" charset="0"/>
+            </a:endParaRPr>
+          </a:p>
+          <a:p>
+            <a:pPr marL="0" marR="0" lvl="0" indent="0" algn="ctr" defTabSz="914400" eaLnBrk="1" fontAlgn="auto" latinLnBrk="0" hangingPunct="1">
+              <a:lnSpc>
+                <a:spcPct val="100000"/>
+              </a:lnSpc>
+              <a:spcBef>
+                <a:spcPts val="0"/>
+              </a:spcBef>
+              <a:spcAft>
+                <a:spcPts val="0"/>
+              </a:spcAft>
+              <a:buClrTx/>
+              <a:buSzTx/>
+              <a:buFontTx/>
+              <a:buNone/>
+              <a:tabLst/>
+              <a:defRPr/>
+            </a:pPr>
+            <a:r>
+              <a:rPr kumimoji="1" lang="ja-JP" altLang="en-US" sz="1600" b="0" i="0" u="none" strike="noStrike" kern="0" cap="none" spc="0" normalizeH="0" baseline="0" noProof="0">
+                <a:ln>
+                  <a:noFill/>
+                </a:ln>
+                <a:effectLst/>
+                <a:uLnTx/>
+                <a:uFillTx/>
+                <a:latin typeface="Arial" panose="020B0604020202020204" pitchFamily="34" charset="0"/>
+                <a:ea typeface="游ゴシック" panose="020B0400000000000000" pitchFamily="50" charset="-128"/>
+                <a:cs typeface="Arial" panose="020B0604020202020204" pitchFamily="34" charset="0"/>
+              </a:rPr>
+              <a:t> </a:t>
+            </a:r>
+            <a:r>
+              <a:rPr kumimoji="1" lang="en-US" altLang="ja-JP" sz="1600" b="0" i="0" u="none" strike="noStrike" kern="0" cap="none" spc="0" normalizeH="0" baseline="0" noProof="0" dirty="0">
+                <a:ln>
+                  <a:noFill/>
+                </a:ln>
+                <a:effectLst/>
+                <a:uLnTx/>
+                <a:uFillTx/>
+                <a:latin typeface="Arial" panose="020B0604020202020204" pitchFamily="34" charset="0"/>
+                <a:ea typeface="游ゴシック" panose="020B0400000000000000" pitchFamily="50" charset="-128"/>
+                <a:cs typeface="Arial" panose="020B0604020202020204" pitchFamily="34" charset="0"/>
+              </a:rPr>
+              <a:t>In</a:t>
+            </a:r>
+            <a:r>
+              <a:rPr lang="en-US" altLang="ja-JP" sz="1600" kern="0" baseline="-25000" dirty="0">
+                <a:latin typeface="Arial" panose="020B0604020202020204" pitchFamily="34" charset="0"/>
+                <a:ea typeface="游ゴシック" panose="020B0400000000000000" pitchFamily="50" charset="-128"/>
+                <a:cs typeface="Arial" panose="020B0604020202020204" pitchFamily="34" charset="0"/>
+              </a:rPr>
+              <a:t>0.255</a:t>
+            </a:r>
+            <a:r>
+              <a:rPr kumimoji="1" lang="en-US" altLang="ja-JP" sz="1600" b="0" i="0" u="none" strike="noStrike" kern="0" cap="none" spc="0" normalizeH="0" baseline="0" noProof="0" dirty="0">
+                <a:ln>
+                  <a:noFill/>
+                </a:ln>
+                <a:effectLst/>
+                <a:uLnTx/>
+                <a:uFillTx/>
+                <a:latin typeface="Arial" panose="020B0604020202020204" pitchFamily="34" charset="0"/>
+                <a:ea typeface="游ゴシック" panose="020B0400000000000000" pitchFamily="50" charset="-128"/>
+                <a:cs typeface="Arial" panose="020B0604020202020204" pitchFamily="34" charset="0"/>
+              </a:rPr>
+              <a:t>Ga</a:t>
+            </a:r>
+            <a:r>
+              <a:rPr kumimoji="1" lang="en-US" altLang="ja-JP" sz="1600" b="0" i="0" u="none" strike="noStrike" kern="0" cap="none" spc="0" normalizeH="0" baseline="-25000" noProof="0" dirty="0">
+                <a:ln>
+                  <a:noFill/>
+                </a:ln>
+                <a:effectLst/>
+                <a:uLnTx/>
+                <a:uFillTx/>
+                <a:latin typeface="Arial" panose="020B0604020202020204" pitchFamily="34" charset="0"/>
+                <a:ea typeface="游ゴシック" panose="020B0400000000000000" pitchFamily="50" charset="-128"/>
+                <a:cs typeface="Arial" panose="020B0604020202020204" pitchFamily="34" charset="0"/>
+              </a:rPr>
+              <a:t>0.745</a:t>
+            </a:r>
+            <a:r>
+              <a:rPr kumimoji="1" lang="en-US" altLang="ja-JP" sz="1600" b="0" i="0" u="none" strike="noStrike" kern="0" cap="none" spc="0" normalizeH="0" baseline="0" noProof="0" dirty="0">
+                <a:ln>
+                  <a:noFill/>
+                </a:ln>
+                <a:effectLst/>
+                <a:uLnTx/>
+                <a:uFillTx/>
+                <a:latin typeface="Arial" panose="020B0604020202020204" pitchFamily="34" charset="0"/>
+                <a:ea typeface="游ゴシック" panose="020B0400000000000000" pitchFamily="50" charset="-128"/>
+                <a:cs typeface="Arial" panose="020B0604020202020204" pitchFamily="34" charset="0"/>
+              </a:rPr>
+              <a:t>As 15nm</a:t>
+            </a:r>
+            <a:r>
+              <a:rPr kumimoji="1" lang="ja-JP" altLang="en-US" sz="1600" b="0" i="0" u="none" strike="noStrike" kern="0" cap="none" spc="0" normalizeH="0" baseline="0" noProof="0">
+                <a:ln>
+                  <a:noFill/>
+                </a:ln>
+                <a:effectLst/>
+                <a:uLnTx/>
+                <a:uFillTx/>
+                <a:latin typeface="Arial" panose="020B0604020202020204" pitchFamily="34" charset="0"/>
+                <a:ea typeface="游ゴシック" panose="020B0400000000000000" pitchFamily="50" charset="-128"/>
+                <a:cs typeface="Arial" panose="020B0604020202020204" pitchFamily="34" charset="0"/>
+              </a:rPr>
+              <a:t> </a:t>
+            </a:r>
+            <a:r>
+              <a:rPr kumimoji="1" lang="en-US" altLang="ja-JP" sz="1600" b="0" i="0" u="none" strike="noStrike" kern="0" cap="none" spc="0" normalizeH="0" baseline="0" noProof="0" dirty="0">
+                <a:ln>
+                  <a:noFill/>
+                </a:ln>
+                <a:effectLst/>
+                <a:uLnTx/>
+                <a:uFillTx/>
+                <a:latin typeface="Arial" panose="020B0604020202020204" pitchFamily="34" charset="0"/>
+                <a:ea typeface="游ゴシック" panose="020B0400000000000000" pitchFamily="50" charset="-128"/>
+                <a:cs typeface="Arial" panose="020B0604020202020204" pitchFamily="34" charset="0"/>
+              </a:rPr>
+              <a:t>:</a:t>
+            </a:r>
+            <a:r>
+              <a:rPr kumimoji="1" lang="ja-JP" altLang="en-US" sz="1600" b="0" i="0" u="none" strike="noStrike" kern="0" cap="none" spc="0" normalizeH="0" baseline="0" noProof="0">
+                <a:ln>
+                  <a:noFill/>
+                </a:ln>
+                <a:effectLst/>
+                <a:uLnTx/>
+                <a:uFillTx/>
+                <a:latin typeface="Arial" panose="020B0604020202020204" pitchFamily="34" charset="0"/>
+                <a:ea typeface="游ゴシック" panose="020B0400000000000000" pitchFamily="50" charset="-128"/>
+                <a:cs typeface="Arial" panose="020B0604020202020204" pitchFamily="34" charset="0"/>
+              </a:rPr>
+              <a:t> </a:t>
+            </a:r>
+            <a:r>
+              <a:rPr kumimoji="1" lang="en-US" altLang="ja-JP" sz="1600" b="0" i="0" u="none" strike="noStrike" kern="0" cap="none" spc="0" normalizeH="0" baseline="0" noProof="0" dirty="0">
+                <a:ln>
+                  <a:noFill/>
+                </a:ln>
+                <a:effectLst/>
+                <a:uLnTx/>
+                <a:uFillTx/>
+                <a:latin typeface="Arial" panose="020B0604020202020204" pitchFamily="34" charset="0"/>
+                <a:ea typeface="游ゴシック" panose="020B0400000000000000" pitchFamily="50" charset="-128"/>
+                <a:cs typeface="Arial" panose="020B0604020202020204" pitchFamily="34" charset="0"/>
+              </a:rPr>
+              <a:t>well    </a:t>
+            </a:r>
+          </a:p>
+          <a:p>
+            <a:pPr marL="0" marR="0" lvl="0" indent="0" algn="ctr" defTabSz="914400" eaLnBrk="1" fontAlgn="auto" latinLnBrk="0" hangingPunct="1">
+              <a:lnSpc>
+                <a:spcPct val="100000"/>
+              </a:lnSpc>
+              <a:spcBef>
+                <a:spcPts val="0"/>
+              </a:spcBef>
+              <a:spcAft>
+                <a:spcPts val="0"/>
+              </a:spcAft>
+              <a:buClrTx/>
+              <a:buSzTx/>
+              <a:buFontTx/>
+              <a:buNone/>
+              <a:tabLst/>
+              <a:defRPr/>
+            </a:pPr>
+            <a:r>
+              <a:rPr kumimoji="1" lang="en-US" altLang="ja-JP" sz="1600" b="0" i="0" u="none" strike="noStrike" kern="0" cap="none" spc="0" normalizeH="0" baseline="0" noProof="0" dirty="0">
+                <a:ln>
+                  <a:noFill/>
+                </a:ln>
+                <a:effectLst/>
+                <a:uLnTx/>
+                <a:uFillTx/>
+                <a:latin typeface="Arial" panose="020B0604020202020204" pitchFamily="34" charset="0"/>
+                <a:ea typeface="游ゴシック" panose="020B0400000000000000" pitchFamily="50" charset="-128"/>
+                <a:cs typeface="Arial" panose="020B0604020202020204" pitchFamily="34" charset="0"/>
+              </a:rPr>
+              <a:t>GaAs 12nm :</a:t>
+            </a:r>
+            <a:r>
+              <a:rPr kumimoji="1" lang="ja-JP" altLang="en-US" sz="1600" b="0" i="0" u="none" strike="noStrike" kern="0" cap="none" spc="0" normalizeH="0" baseline="0" noProof="0">
+                <a:ln>
+                  <a:noFill/>
+                </a:ln>
+                <a:effectLst/>
+                <a:uLnTx/>
+                <a:uFillTx/>
+                <a:latin typeface="Arial" panose="020B0604020202020204" pitchFamily="34" charset="0"/>
+                <a:ea typeface="游ゴシック" panose="020B0400000000000000" pitchFamily="50" charset="-128"/>
+                <a:cs typeface="Arial" panose="020B0604020202020204" pitchFamily="34" charset="0"/>
+              </a:rPr>
+              <a:t> </a:t>
+            </a:r>
+            <a:r>
+              <a:rPr kumimoji="1" lang="en-US" altLang="ja-JP" sz="1600" b="0" i="0" u="none" strike="noStrike" kern="0" cap="none" spc="0" normalizeH="0" baseline="0" noProof="0" dirty="0">
+                <a:ln>
+                  <a:noFill/>
+                </a:ln>
+                <a:effectLst/>
+                <a:uLnTx/>
+                <a:uFillTx/>
+                <a:latin typeface="Arial" panose="020B0604020202020204" pitchFamily="34" charset="0"/>
+                <a:ea typeface="游ゴシック" panose="020B0400000000000000" pitchFamily="50" charset="-128"/>
+                <a:cs typeface="Arial" panose="020B0604020202020204" pitchFamily="34" charset="0"/>
+              </a:rPr>
+              <a:t>barrier</a:t>
+            </a:r>
+            <a:r>
+              <a:rPr kumimoji="1" lang="ja-JP" altLang="en-US" sz="1600" b="0" i="0" u="none" strike="noStrike" kern="0" cap="none" spc="0" normalizeH="0" baseline="0" noProof="0" dirty="0">
+                <a:ln>
+                  <a:noFill/>
+                </a:ln>
+                <a:effectLst/>
+                <a:uLnTx/>
+                <a:uFillTx/>
+                <a:latin typeface="Arial" panose="020B0604020202020204" pitchFamily="34" charset="0"/>
+                <a:ea typeface="游ゴシック" panose="020B0400000000000000" pitchFamily="50" charset="-128"/>
+                <a:cs typeface="Arial" panose="020B0604020202020204" pitchFamily="34" charset="0"/>
+              </a:rPr>
+              <a:t>　</a:t>
+            </a:r>
+          </a:p>
+        </p:txBody>
+      </p:sp>
       <p:grpSp>
         <p:nvGrpSpPr>
-          <p:cNvPr id="168" name="グループ化 167">
+          <p:cNvPr id="170" name="グループ化 169">
             <a:extLst>
               <a:ext uri="{FF2B5EF4-FFF2-40B4-BE49-F238E27FC236}">
-                <a16:creationId xmlns:a16="http://schemas.microsoft.com/office/drawing/2014/main" id="{CD0048E5-9ABD-2940-B582-37F78AEA7C30}"/>
+                <a16:creationId xmlns:a16="http://schemas.microsoft.com/office/drawing/2014/main" id="{D0A8373B-7223-0443-9D7B-51169F339EE1}"/>
               </a:ext>
             </a:extLst>
           </p:cNvPr>
@@ -3613,18 +4018,18 @@
         </p:nvGrpSpPr>
         <p:grpSpPr>
           <a:xfrm>
-            <a:off x="6457950" y="-576580"/>
-            <a:ext cx="2956266" cy="4205562"/>
-            <a:chOff x="969910" y="794178"/>
-            <a:chExt cx="2956266" cy="4205562"/>
+            <a:off x="7325414" y="1966703"/>
+            <a:ext cx="1152459" cy="1594564"/>
+            <a:chOff x="1548043" y="2509227"/>
+            <a:chExt cx="1800000" cy="2490513"/>
           </a:xfrm>
         </p:grpSpPr>
         <p:sp>
           <p:nvSpPr>
-            <p:cNvPr id="169" name="正方形/長方形 168">
+            <p:cNvPr id="171" name="正方形/長方形 170">
               <a:extLst>
                 <a:ext uri="{FF2B5EF4-FFF2-40B4-BE49-F238E27FC236}">
-                  <a16:creationId xmlns:a16="http://schemas.microsoft.com/office/drawing/2014/main" id="{3D4E9F17-2ECE-3C42-8EEF-325F2F423C8D}"/>
+                  <a16:creationId xmlns:a16="http://schemas.microsoft.com/office/drawing/2014/main" id="{BD2123B6-FA7F-8943-B1BE-6621738236CD}"/>
                 </a:ext>
               </a:extLst>
             </p:cNvPr>
@@ -3633,620 +4038,297 @@
           </p:nvSpPr>
           <p:spPr>
             <a:xfrm>
-              <a:off x="969910" y="794178"/>
-              <a:ext cx="2956266" cy="2478862"/>
+              <a:off x="1548043" y="4459740"/>
+              <a:ext cx="1800000" cy="540000"/>
             </a:xfrm>
             <a:prstGeom prst="rect">
               <a:avLst/>
             </a:prstGeom>
-            <a:noFill/>
-            <a:ln w="12700" cap="flat" cmpd="sng" algn="ctr">
-              <a:noFill/>
-              <a:prstDash val="solid"/>
-              <a:miter lim="800000"/>
-            </a:ln>
-            <a:effectLst/>
+            <a:solidFill>
+              <a:srgbClr val="FF0000"/>
+            </a:solidFill>
           </p:spPr>
+          <p:style>
+            <a:lnRef idx="2">
+              <a:schemeClr val="accent1">
+                <a:shade val="50000"/>
+              </a:schemeClr>
+            </a:lnRef>
+            <a:fillRef idx="1">
+              <a:schemeClr val="accent1"/>
+            </a:fillRef>
+            <a:effectRef idx="0">
+              <a:schemeClr val="accent1"/>
+            </a:effectRef>
+            <a:fontRef idx="minor">
+              <a:schemeClr val="lt1"/>
+            </a:fontRef>
+          </p:style>
           <p:txBody>
             <a:bodyPr rtlCol="0" anchor="ctr"/>
             <a:lstStyle/>
             <a:p>
-              <a:pPr marL="0" marR="0" lvl="0" indent="0" algn="ctr" defTabSz="914400" eaLnBrk="1" fontAlgn="auto" latinLnBrk="0" hangingPunct="1">
-                <a:lnSpc>
-                  <a:spcPct val="100000"/>
-                </a:lnSpc>
-                <a:spcBef>
-                  <a:spcPts val="0"/>
-                </a:spcBef>
-                <a:spcAft>
-                  <a:spcPts val="0"/>
-                </a:spcAft>
-                <a:buClrTx/>
-                <a:buSzTx/>
-                <a:buFontTx/>
-                <a:buNone/>
-                <a:tabLst/>
-                <a:defRPr/>
-              </a:pPr>
+              <a:pPr algn="ctr"/>
               <a:r>
-                <a:rPr lang="en-US" altLang="ja-JP" sz="1600" kern="0" dirty="0">
-                  <a:latin typeface="Arial" panose="020B0604020202020204" pitchFamily="34" charset="0"/>
-                  <a:ea typeface="游ゴシック" panose="020B0400000000000000" pitchFamily="50" charset="-128"/>
-                  <a:cs typeface="Arial" panose="020B0604020202020204" pitchFamily="34" charset="0"/>
+                <a:rPr kumimoji="1" lang="en-US" altLang="ja-JP" dirty="0">
+                  <a:solidFill>
+                    <a:schemeClr val="tx1"/>
+                  </a:solidFill>
                 </a:rPr>
-                <a:t>3</a:t>
+                <a:t>well</a:t>
               </a:r>
+              <a:endParaRPr kumimoji="1" lang="ja-JP" altLang="en-US">
+                <a:solidFill>
+                  <a:schemeClr val="tx1"/>
+                </a:solidFill>
+              </a:endParaRPr>
+            </a:p>
+          </p:txBody>
+        </p:sp>
+        <p:sp>
+          <p:nvSpPr>
+            <p:cNvPr id="172" name="正方形/長方形 171">
+              <a:extLst>
+                <a:ext uri="{FF2B5EF4-FFF2-40B4-BE49-F238E27FC236}">
+                  <a16:creationId xmlns:a16="http://schemas.microsoft.com/office/drawing/2014/main" id="{12E92528-8417-0240-AB22-54655A1C2F98}"/>
+                </a:ext>
+              </a:extLst>
+            </p:cNvPr>
+            <p:cNvSpPr/>
+            <p:nvPr/>
+          </p:nvSpPr>
+          <p:spPr>
+            <a:xfrm>
+              <a:off x="1548043" y="4039390"/>
+              <a:ext cx="1800000" cy="432000"/>
+            </a:xfrm>
+            <a:prstGeom prst="rect">
+              <a:avLst/>
+            </a:prstGeom>
+            <a:solidFill>
+              <a:schemeClr val="bg2"/>
+            </a:solidFill>
+          </p:spPr>
+          <p:style>
+            <a:lnRef idx="2">
+              <a:schemeClr val="accent1">
+                <a:shade val="50000"/>
+              </a:schemeClr>
+            </a:lnRef>
+            <a:fillRef idx="1">
+              <a:schemeClr val="accent1"/>
+            </a:fillRef>
+            <a:effectRef idx="0">
+              <a:schemeClr val="accent1"/>
+            </a:effectRef>
+            <a:fontRef idx="minor">
+              <a:schemeClr val="lt1"/>
+            </a:fontRef>
+          </p:style>
+          <p:txBody>
+            <a:bodyPr rtlCol="0" anchor="ctr"/>
+            <a:lstStyle/>
+            <a:p>
+              <a:pPr algn="ctr"/>
               <a:r>
-                <a:rPr kumimoji="1" lang="en-US" altLang="ja-JP" sz="1600" b="0" i="0" u="none" strike="noStrike" kern="0" cap="none" spc="0" normalizeH="0" baseline="0" noProof="0" dirty="0">
-                  <a:ln>
-                    <a:noFill/>
-                  </a:ln>
-                  <a:effectLst/>
-                  <a:uLnTx/>
-                  <a:uFillTx/>
-                  <a:latin typeface="Arial" panose="020B0604020202020204" pitchFamily="34" charset="0"/>
-                  <a:ea typeface="游ゴシック" panose="020B0400000000000000" pitchFamily="50" charset="-128"/>
-                  <a:cs typeface="Arial" panose="020B0604020202020204" pitchFamily="34" charset="0"/>
-                </a:rPr>
-                <a:t> periods</a:t>
-              </a:r>
-            </a:p>
-            <a:p>
-              <a:pPr marL="0" marR="0" lvl="0" indent="0" algn="ctr" defTabSz="914400" eaLnBrk="1" fontAlgn="auto" latinLnBrk="0" hangingPunct="1">
-                <a:lnSpc>
-                  <a:spcPct val="100000"/>
-                </a:lnSpc>
-                <a:spcBef>
-                  <a:spcPts val="0"/>
-                </a:spcBef>
-                <a:spcAft>
-                  <a:spcPts val="0"/>
-                </a:spcAft>
-                <a:buClrTx/>
-                <a:buSzTx/>
-                <a:buFontTx/>
-                <a:buNone/>
-                <a:tabLst/>
-                <a:defRPr/>
-              </a:pPr>
-              <a:r>
-                <a:rPr kumimoji="1" lang="ja-JP" altLang="en-US" sz="1600" b="0" i="0" u="none" strike="noStrike" kern="0" cap="none" spc="0" normalizeH="0" baseline="0" noProof="0">
-                  <a:ln>
-                    <a:noFill/>
-                  </a:ln>
-                  <a:effectLst/>
-                  <a:uLnTx/>
-                  <a:uFillTx/>
-                  <a:latin typeface="Arial" panose="020B0604020202020204" pitchFamily="34" charset="0"/>
-                  <a:ea typeface="游ゴシック" panose="020B0400000000000000" pitchFamily="50" charset="-128"/>
-                  <a:cs typeface="Arial" panose="020B0604020202020204" pitchFamily="34" charset="0"/>
-                </a:rPr>
-                <a:t> </a:t>
-              </a:r>
-              <a:r>
-                <a:rPr kumimoji="1" lang="en-US" altLang="ja-JP" sz="1600" b="0" i="0" u="none" strike="noStrike" kern="0" cap="none" spc="0" normalizeH="0" baseline="0" noProof="0" dirty="0">
-                  <a:ln>
-                    <a:noFill/>
-                  </a:ln>
-                  <a:effectLst/>
-                  <a:uLnTx/>
-                  <a:uFillTx/>
-                  <a:latin typeface="Arial" panose="020B0604020202020204" pitchFamily="34" charset="0"/>
-                  <a:ea typeface="游ゴシック" panose="020B0400000000000000" pitchFamily="50" charset="-128"/>
-                  <a:cs typeface="Arial" panose="020B0604020202020204" pitchFamily="34" charset="0"/>
-                </a:rPr>
-                <a:t>In</a:t>
-              </a:r>
-              <a:r>
-                <a:rPr lang="en-US" altLang="ja-JP" sz="1600" kern="0" baseline="-25000" dirty="0">
-                  <a:latin typeface="Arial" panose="020B0604020202020204" pitchFamily="34" charset="0"/>
-                  <a:ea typeface="游ゴシック" panose="020B0400000000000000" pitchFamily="50" charset="-128"/>
-                  <a:cs typeface="Arial" panose="020B0604020202020204" pitchFamily="34" charset="0"/>
-                </a:rPr>
-                <a:t>0.255</a:t>
-              </a:r>
-              <a:r>
-                <a:rPr kumimoji="1" lang="en-US" altLang="ja-JP" sz="1600" b="0" i="0" u="none" strike="noStrike" kern="0" cap="none" spc="0" normalizeH="0" baseline="0" noProof="0" dirty="0">
-                  <a:ln>
-                    <a:noFill/>
-                  </a:ln>
-                  <a:effectLst/>
-                  <a:uLnTx/>
-                  <a:uFillTx/>
-                  <a:latin typeface="Arial" panose="020B0604020202020204" pitchFamily="34" charset="0"/>
-                  <a:ea typeface="游ゴシック" panose="020B0400000000000000" pitchFamily="50" charset="-128"/>
-                  <a:cs typeface="Arial" panose="020B0604020202020204" pitchFamily="34" charset="0"/>
-                </a:rPr>
-                <a:t>Ga</a:t>
-              </a:r>
-              <a:r>
-                <a:rPr kumimoji="1" lang="en-US" altLang="ja-JP" sz="1600" b="0" i="0" u="none" strike="noStrike" kern="0" cap="none" spc="0" normalizeH="0" baseline="-25000" noProof="0" dirty="0">
-                  <a:ln>
-                    <a:noFill/>
-                  </a:ln>
-                  <a:effectLst/>
-                  <a:uLnTx/>
-                  <a:uFillTx/>
-                  <a:latin typeface="Arial" panose="020B0604020202020204" pitchFamily="34" charset="0"/>
-                  <a:ea typeface="游ゴシック" panose="020B0400000000000000" pitchFamily="50" charset="-128"/>
-                  <a:cs typeface="Arial" panose="020B0604020202020204" pitchFamily="34" charset="0"/>
-                </a:rPr>
-                <a:t>0.745</a:t>
-              </a:r>
-              <a:r>
-                <a:rPr kumimoji="1" lang="en-US" altLang="ja-JP" sz="1600" b="0" i="0" u="none" strike="noStrike" kern="0" cap="none" spc="0" normalizeH="0" baseline="0" noProof="0" dirty="0">
-                  <a:ln>
-                    <a:noFill/>
-                  </a:ln>
-                  <a:effectLst/>
-                  <a:uLnTx/>
-                  <a:uFillTx/>
-                  <a:latin typeface="Arial" panose="020B0604020202020204" pitchFamily="34" charset="0"/>
-                  <a:ea typeface="游ゴシック" panose="020B0400000000000000" pitchFamily="50" charset="-128"/>
-                  <a:cs typeface="Arial" panose="020B0604020202020204" pitchFamily="34" charset="0"/>
-                </a:rPr>
-                <a:t>As 15nm</a:t>
-              </a:r>
-              <a:r>
-                <a:rPr kumimoji="1" lang="ja-JP" altLang="en-US" sz="1600" b="0" i="0" u="none" strike="noStrike" kern="0" cap="none" spc="0" normalizeH="0" baseline="0" noProof="0">
-                  <a:ln>
-                    <a:noFill/>
-                  </a:ln>
-                  <a:effectLst/>
-                  <a:uLnTx/>
-                  <a:uFillTx/>
-                  <a:latin typeface="Arial" panose="020B0604020202020204" pitchFamily="34" charset="0"/>
-                  <a:ea typeface="游ゴシック" panose="020B0400000000000000" pitchFamily="50" charset="-128"/>
-                  <a:cs typeface="Arial" panose="020B0604020202020204" pitchFamily="34" charset="0"/>
-                </a:rPr>
-                <a:t> </a:t>
-              </a:r>
-              <a:r>
-                <a:rPr kumimoji="1" lang="en-US" altLang="ja-JP" sz="1600" b="0" i="0" u="none" strike="noStrike" kern="0" cap="none" spc="0" normalizeH="0" baseline="0" noProof="0" dirty="0">
-                  <a:ln>
-                    <a:noFill/>
-                  </a:ln>
-                  <a:effectLst/>
-                  <a:uLnTx/>
-                  <a:uFillTx/>
-                  <a:latin typeface="Arial" panose="020B0604020202020204" pitchFamily="34" charset="0"/>
-                  <a:ea typeface="游ゴシック" panose="020B0400000000000000" pitchFamily="50" charset="-128"/>
-                  <a:cs typeface="Arial" panose="020B0604020202020204" pitchFamily="34" charset="0"/>
-                </a:rPr>
-                <a:t>:</a:t>
-              </a:r>
-              <a:r>
-                <a:rPr kumimoji="1" lang="ja-JP" altLang="en-US" sz="1600" b="0" i="0" u="none" strike="noStrike" kern="0" cap="none" spc="0" normalizeH="0" baseline="0" noProof="0">
-                  <a:ln>
-                    <a:noFill/>
-                  </a:ln>
-                  <a:effectLst/>
-                  <a:uLnTx/>
-                  <a:uFillTx/>
-                  <a:latin typeface="Arial" panose="020B0604020202020204" pitchFamily="34" charset="0"/>
-                  <a:ea typeface="游ゴシック" panose="020B0400000000000000" pitchFamily="50" charset="-128"/>
-                  <a:cs typeface="Arial" panose="020B0604020202020204" pitchFamily="34" charset="0"/>
-                </a:rPr>
-                <a:t> </a:t>
-              </a:r>
-              <a:r>
-                <a:rPr kumimoji="1" lang="en-US" altLang="ja-JP" sz="1600" b="0" i="0" u="none" strike="noStrike" kern="0" cap="none" spc="0" normalizeH="0" baseline="0" noProof="0" dirty="0">
-                  <a:ln>
-                    <a:noFill/>
-                  </a:ln>
-                  <a:effectLst/>
-                  <a:uLnTx/>
-                  <a:uFillTx/>
-                  <a:latin typeface="Arial" panose="020B0604020202020204" pitchFamily="34" charset="0"/>
-                  <a:ea typeface="游ゴシック" panose="020B0400000000000000" pitchFamily="50" charset="-128"/>
-                  <a:cs typeface="Arial" panose="020B0604020202020204" pitchFamily="34" charset="0"/>
-                </a:rPr>
-                <a:t>well    </a:t>
-              </a:r>
-            </a:p>
-            <a:p>
-              <a:pPr marL="0" marR="0" lvl="0" indent="0" algn="ctr" defTabSz="914400" eaLnBrk="1" fontAlgn="auto" latinLnBrk="0" hangingPunct="1">
-                <a:lnSpc>
-                  <a:spcPct val="100000"/>
-                </a:lnSpc>
-                <a:spcBef>
-                  <a:spcPts val="0"/>
-                </a:spcBef>
-                <a:spcAft>
-                  <a:spcPts val="0"/>
-                </a:spcAft>
-                <a:buClrTx/>
-                <a:buSzTx/>
-                <a:buFontTx/>
-                <a:buNone/>
-                <a:tabLst/>
-                <a:defRPr/>
-              </a:pPr>
-              <a:r>
-                <a:rPr kumimoji="1" lang="en-US" altLang="ja-JP" sz="1600" b="0" i="0" u="none" strike="noStrike" kern="0" cap="none" spc="0" normalizeH="0" baseline="0" noProof="0" dirty="0">
-                  <a:ln>
-                    <a:noFill/>
-                  </a:ln>
-                  <a:effectLst/>
-                  <a:uLnTx/>
-                  <a:uFillTx/>
-                  <a:latin typeface="Arial" panose="020B0604020202020204" pitchFamily="34" charset="0"/>
-                  <a:ea typeface="游ゴシック" panose="020B0400000000000000" pitchFamily="50" charset="-128"/>
-                  <a:cs typeface="Arial" panose="020B0604020202020204" pitchFamily="34" charset="0"/>
-                </a:rPr>
-                <a:t>GaAs 12nm :</a:t>
-              </a:r>
-              <a:r>
-                <a:rPr kumimoji="1" lang="ja-JP" altLang="en-US" sz="1600" b="0" i="0" u="none" strike="noStrike" kern="0" cap="none" spc="0" normalizeH="0" baseline="0" noProof="0">
-                  <a:ln>
-                    <a:noFill/>
-                  </a:ln>
-                  <a:effectLst/>
-                  <a:uLnTx/>
-                  <a:uFillTx/>
-                  <a:latin typeface="Arial" panose="020B0604020202020204" pitchFamily="34" charset="0"/>
-                  <a:ea typeface="游ゴシック" panose="020B0400000000000000" pitchFamily="50" charset="-128"/>
-                  <a:cs typeface="Arial" panose="020B0604020202020204" pitchFamily="34" charset="0"/>
-                </a:rPr>
-                <a:t> </a:t>
-              </a:r>
-              <a:r>
-                <a:rPr kumimoji="1" lang="en-US" altLang="ja-JP" sz="1600" b="0" i="0" u="none" strike="noStrike" kern="0" cap="none" spc="0" normalizeH="0" baseline="0" noProof="0" dirty="0">
-                  <a:ln>
-                    <a:noFill/>
-                  </a:ln>
-                  <a:effectLst/>
-                  <a:uLnTx/>
-                  <a:uFillTx/>
-                  <a:latin typeface="Arial" panose="020B0604020202020204" pitchFamily="34" charset="0"/>
-                  <a:ea typeface="游ゴシック" panose="020B0400000000000000" pitchFamily="50" charset="-128"/>
-                  <a:cs typeface="Arial" panose="020B0604020202020204" pitchFamily="34" charset="0"/>
+                <a:rPr kumimoji="1" lang="en-US" altLang="ja-JP" dirty="0">
+                  <a:solidFill>
+                    <a:schemeClr val="tx1"/>
+                  </a:solidFill>
                 </a:rPr>
                 <a:t>barrier</a:t>
               </a:r>
-              <a:r>
-                <a:rPr kumimoji="1" lang="ja-JP" altLang="en-US" sz="1600" b="0" i="0" u="none" strike="noStrike" kern="0" cap="none" spc="0" normalizeH="0" baseline="0" noProof="0" dirty="0">
-                  <a:ln>
-                    <a:noFill/>
-                  </a:ln>
-                  <a:effectLst/>
-                  <a:uLnTx/>
-                  <a:uFillTx/>
-                  <a:latin typeface="Arial" panose="020B0604020202020204" pitchFamily="34" charset="0"/>
-                  <a:ea typeface="游ゴシック" panose="020B0400000000000000" pitchFamily="50" charset="-128"/>
-                  <a:cs typeface="Arial" panose="020B0604020202020204" pitchFamily="34" charset="0"/>
-                </a:rPr>
-                <a:t>　</a:t>
-              </a:r>
+              <a:endParaRPr kumimoji="1" lang="ja-JP" altLang="en-US">
+                <a:solidFill>
+                  <a:schemeClr val="tx1"/>
+                </a:solidFill>
+              </a:endParaRPr>
             </a:p>
           </p:txBody>
         </p:sp>
-        <p:grpSp>
-          <p:nvGrpSpPr>
-            <p:cNvPr id="170" name="グループ化 169">
+        <p:sp>
+          <p:nvSpPr>
+            <p:cNvPr id="173" name="正方形/長方形 172">
               <a:extLst>
                 <a:ext uri="{FF2B5EF4-FFF2-40B4-BE49-F238E27FC236}">
-                  <a16:creationId xmlns:a16="http://schemas.microsoft.com/office/drawing/2014/main" id="{D0A8373B-7223-0443-9D7B-51169F339EE1}"/>
+                  <a16:creationId xmlns:a16="http://schemas.microsoft.com/office/drawing/2014/main" id="{089B9168-DFF7-8D44-8609-6FBFCBF92F7D}"/>
                 </a:ext>
               </a:extLst>
             </p:cNvPr>
-            <p:cNvGrpSpPr/>
+            <p:cNvSpPr/>
             <p:nvPr/>
-          </p:nvGrpSpPr>
-          <p:grpSpPr>
+          </p:nvSpPr>
+          <p:spPr>
             <a:xfrm>
-              <a:off x="1548043" y="2509227"/>
-              <a:ext cx="1800000" cy="2490513"/>
-              <a:chOff x="1548043" y="2509227"/>
-              <a:chExt cx="1800000" cy="2490513"/>
+              <a:off x="1548043" y="3494178"/>
+              <a:ext cx="1800000" cy="540000"/>
             </a:xfrm>
-          </p:grpSpPr>
-          <p:sp>
-            <p:nvSpPr>
-              <p:cNvPr id="171" name="正方形/長方形 170">
-                <a:extLst>
-                  <a:ext uri="{FF2B5EF4-FFF2-40B4-BE49-F238E27FC236}">
-                    <a16:creationId xmlns:a16="http://schemas.microsoft.com/office/drawing/2014/main" id="{BD2123B6-FA7F-8943-B1BE-6621738236CD}"/>
-                  </a:ext>
-                </a:extLst>
-              </p:cNvPr>
-              <p:cNvSpPr/>
-              <p:nvPr/>
-            </p:nvSpPr>
-            <p:spPr>
-              <a:xfrm>
-                <a:off x="1548043" y="4459740"/>
-                <a:ext cx="1800000" cy="540000"/>
-              </a:xfrm>
-              <a:prstGeom prst="rect">
-                <a:avLst/>
-              </a:prstGeom>
-              <a:solidFill>
-                <a:srgbClr val="FF0000"/>
-              </a:solidFill>
-            </p:spPr>
-            <p:style>
-              <a:lnRef idx="2">
-                <a:schemeClr val="accent1">
-                  <a:shade val="50000"/>
-                </a:schemeClr>
-              </a:lnRef>
-              <a:fillRef idx="1">
-                <a:schemeClr val="accent1"/>
-              </a:fillRef>
-              <a:effectRef idx="0">
-                <a:schemeClr val="accent1"/>
-              </a:effectRef>
-              <a:fontRef idx="minor">
-                <a:schemeClr val="lt1"/>
-              </a:fontRef>
-            </p:style>
-            <p:txBody>
-              <a:bodyPr rtlCol="0" anchor="ctr"/>
-              <a:lstStyle/>
-              <a:p>
-                <a:pPr algn="ctr"/>
-                <a:r>
-                  <a:rPr kumimoji="1" lang="en-US" altLang="ja-JP" dirty="0">
-                    <a:solidFill>
-                      <a:schemeClr val="tx1"/>
-                    </a:solidFill>
-                  </a:rPr>
-                  <a:t>well</a:t>
-                </a:r>
-                <a:endParaRPr kumimoji="1" lang="ja-JP" altLang="en-US">
+            <a:prstGeom prst="rect">
+              <a:avLst/>
+            </a:prstGeom>
+            <a:solidFill>
+              <a:srgbClr val="FF0000"/>
+            </a:solidFill>
+          </p:spPr>
+          <p:style>
+            <a:lnRef idx="2">
+              <a:schemeClr val="accent1">
+                <a:shade val="50000"/>
+              </a:schemeClr>
+            </a:lnRef>
+            <a:fillRef idx="1">
+              <a:schemeClr val="accent1"/>
+            </a:fillRef>
+            <a:effectRef idx="0">
+              <a:schemeClr val="accent1"/>
+            </a:effectRef>
+            <a:fontRef idx="minor">
+              <a:schemeClr val="lt1"/>
+            </a:fontRef>
+          </p:style>
+          <p:txBody>
+            <a:bodyPr rtlCol="0" anchor="ctr"/>
+            <a:lstStyle/>
+            <a:p>
+              <a:pPr algn="ctr"/>
+              <a:r>
+                <a:rPr kumimoji="1" lang="en-US" altLang="ja-JP" dirty="0">
                   <a:solidFill>
                     <a:schemeClr val="tx1"/>
                   </a:solidFill>
-                </a:endParaRPr>
-              </a:p>
-            </p:txBody>
-          </p:sp>
-          <p:sp>
-            <p:nvSpPr>
-              <p:cNvPr id="172" name="正方形/長方形 171">
-                <a:extLst>
-                  <a:ext uri="{FF2B5EF4-FFF2-40B4-BE49-F238E27FC236}">
-                    <a16:creationId xmlns:a16="http://schemas.microsoft.com/office/drawing/2014/main" id="{12E92528-8417-0240-AB22-54655A1C2F98}"/>
-                  </a:ext>
-                </a:extLst>
-              </p:cNvPr>
-              <p:cNvSpPr/>
-              <p:nvPr/>
-            </p:nvSpPr>
-            <p:spPr>
-              <a:xfrm>
-                <a:off x="1548043" y="4039390"/>
-                <a:ext cx="1800000" cy="432000"/>
-              </a:xfrm>
-              <a:prstGeom prst="rect">
-                <a:avLst/>
-              </a:prstGeom>
-              <a:solidFill>
-                <a:schemeClr val="bg2"/>
-              </a:solidFill>
-            </p:spPr>
-            <p:style>
-              <a:lnRef idx="2">
-                <a:schemeClr val="accent1">
-                  <a:shade val="50000"/>
-                </a:schemeClr>
-              </a:lnRef>
-              <a:fillRef idx="1">
-                <a:schemeClr val="accent1"/>
-              </a:fillRef>
-              <a:effectRef idx="0">
-                <a:schemeClr val="accent1"/>
-              </a:effectRef>
-              <a:fontRef idx="minor">
-                <a:schemeClr val="lt1"/>
-              </a:fontRef>
-            </p:style>
-            <p:txBody>
-              <a:bodyPr rtlCol="0" anchor="ctr"/>
-              <a:lstStyle/>
-              <a:p>
-                <a:pPr algn="ctr"/>
-                <a:r>
-                  <a:rPr kumimoji="1" lang="en-US" altLang="ja-JP" dirty="0">
-                    <a:solidFill>
-                      <a:schemeClr val="tx1"/>
-                    </a:solidFill>
-                  </a:rPr>
-                  <a:t>barrier</a:t>
-                </a:r>
-                <a:endParaRPr kumimoji="1" lang="ja-JP" altLang="en-US">
+                </a:rPr>
+                <a:t>well</a:t>
+              </a:r>
+              <a:endParaRPr kumimoji="1" lang="ja-JP" altLang="en-US">
+                <a:solidFill>
+                  <a:schemeClr val="tx1"/>
+                </a:solidFill>
+              </a:endParaRPr>
+            </a:p>
+          </p:txBody>
+        </p:sp>
+        <p:sp>
+          <p:nvSpPr>
+            <p:cNvPr id="174" name="正方形/長方形 173">
+              <a:extLst>
+                <a:ext uri="{FF2B5EF4-FFF2-40B4-BE49-F238E27FC236}">
+                  <a16:creationId xmlns:a16="http://schemas.microsoft.com/office/drawing/2014/main" id="{950A4AD4-8924-C349-BBCC-7E0F7DD9CBE4}"/>
+                </a:ext>
+              </a:extLst>
+            </p:cNvPr>
+            <p:cNvSpPr/>
+            <p:nvPr/>
+          </p:nvSpPr>
+          <p:spPr>
+            <a:xfrm>
+              <a:off x="1548043" y="3057040"/>
+              <a:ext cx="1800000" cy="432000"/>
+            </a:xfrm>
+            <a:prstGeom prst="rect">
+              <a:avLst/>
+            </a:prstGeom>
+            <a:solidFill>
+              <a:schemeClr val="bg2"/>
+            </a:solidFill>
+          </p:spPr>
+          <p:style>
+            <a:lnRef idx="2">
+              <a:schemeClr val="accent1">
+                <a:shade val="50000"/>
+              </a:schemeClr>
+            </a:lnRef>
+            <a:fillRef idx="1">
+              <a:schemeClr val="accent1"/>
+            </a:fillRef>
+            <a:effectRef idx="0">
+              <a:schemeClr val="accent1"/>
+            </a:effectRef>
+            <a:fontRef idx="minor">
+              <a:schemeClr val="lt1"/>
+            </a:fontRef>
+          </p:style>
+          <p:txBody>
+            <a:bodyPr rtlCol="0" anchor="ctr"/>
+            <a:lstStyle/>
+            <a:p>
+              <a:pPr algn="ctr"/>
+              <a:r>
+                <a:rPr kumimoji="1" lang="en-US" altLang="ja-JP" dirty="0">
                   <a:solidFill>
                     <a:schemeClr val="tx1"/>
                   </a:solidFill>
-                </a:endParaRPr>
-              </a:p>
-            </p:txBody>
-          </p:sp>
-          <p:sp>
-            <p:nvSpPr>
-              <p:cNvPr id="173" name="正方形/長方形 172">
-                <a:extLst>
-                  <a:ext uri="{FF2B5EF4-FFF2-40B4-BE49-F238E27FC236}">
-                    <a16:creationId xmlns:a16="http://schemas.microsoft.com/office/drawing/2014/main" id="{089B9168-DFF7-8D44-8609-6FBFCBF92F7D}"/>
-                  </a:ext>
-                </a:extLst>
-              </p:cNvPr>
-              <p:cNvSpPr/>
-              <p:nvPr/>
-            </p:nvSpPr>
-            <p:spPr>
-              <a:xfrm>
-                <a:off x="1548043" y="3494178"/>
-                <a:ext cx="1800000" cy="540000"/>
-              </a:xfrm>
-              <a:prstGeom prst="rect">
-                <a:avLst/>
-              </a:prstGeom>
-              <a:solidFill>
-                <a:srgbClr val="FF0000"/>
-              </a:solidFill>
-            </p:spPr>
-            <p:style>
-              <a:lnRef idx="2">
-                <a:schemeClr val="accent1">
-                  <a:shade val="50000"/>
-                </a:schemeClr>
-              </a:lnRef>
-              <a:fillRef idx="1">
-                <a:schemeClr val="accent1"/>
-              </a:fillRef>
-              <a:effectRef idx="0">
-                <a:schemeClr val="accent1"/>
-              </a:effectRef>
-              <a:fontRef idx="minor">
-                <a:schemeClr val="lt1"/>
-              </a:fontRef>
-            </p:style>
-            <p:txBody>
-              <a:bodyPr rtlCol="0" anchor="ctr"/>
-              <a:lstStyle/>
-              <a:p>
-                <a:pPr algn="ctr"/>
-                <a:r>
-                  <a:rPr kumimoji="1" lang="en-US" altLang="ja-JP" dirty="0">
-                    <a:solidFill>
-                      <a:schemeClr val="tx1"/>
-                    </a:solidFill>
-                  </a:rPr>
-                  <a:t>well</a:t>
-                </a:r>
-                <a:endParaRPr kumimoji="1" lang="ja-JP" altLang="en-US">
+                </a:rPr>
+                <a:t>barrier</a:t>
+              </a:r>
+              <a:endParaRPr kumimoji="1" lang="ja-JP" altLang="en-US">
+                <a:solidFill>
+                  <a:schemeClr val="tx1"/>
+                </a:solidFill>
+              </a:endParaRPr>
+            </a:p>
+          </p:txBody>
+        </p:sp>
+        <p:sp>
+          <p:nvSpPr>
+            <p:cNvPr id="175" name="正方形/長方形 174">
+              <a:extLst>
+                <a:ext uri="{FF2B5EF4-FFF2-40B4-BE49-F238E27FC236}">
+                  <a16:creationId xmlns:a16="http://schemas.microsoft.com/office/drawing/2014/main" id="{F36A62DC-4E04-2743-9FF2-0B173DF9C3E1}"/>
+                </a:ext>
+              </a:extLst>
+            </p:cNvPr>
+            <p:cNvSpPr/>
+            <p:nvPr/>
+          </p:nvSpPr>
+          <p:spPr>
+            <a:xfrm>
+              <a:off x="1548043" y="2509227"/>
+              <a:ext cx="1800000" cy="540000"/>
+            </a:xfrm>
+            <a:prstGeom prst="rect">
+              <a:avLst/>
+            </a:prstGeom>
+            <a:solidFill>
+              <a:srgbClr val="FF0000"/>
+            </a:solidFill>
+          </p:spPr>
+          <p:style>
+            <a:lnRef idx="2">
+              <a:schemeClr val="accent1">
+                <a:shade val="50000"/>
+              </a:schemeClr>
+            </a:lnRef>
+            <a:fillRef idx="1">
+              <a:schemeClr val="accent1"/>
+            </a:fillRef>
+            <a:effectRef idx="0">
+              <a:schemeClr val="accent1"/>
+            </a:effectRef>
+            <a:fontRef idx="minor">
+              <a:schemeClr val="lt1"/>
+            </a:fontRef>
+          </p:style>
+          <p:txBody>
+            <a:bodyPr rtlCol="0" anchor="ctr"/>
+            <a:lstStyle/>
+            <a:p>
+              <a:pPr algn="ctr"/>
+              <a:r>
+                <a:rPr kumimoji="1" lang="en-US" altLang="ja-JP" dirty="0">
                   <a:solidFill>
                     <a:schemeClr val="tx1"/>
                   </a:solidFill>
-                </a:endParaRPr>
-              </a:p>
-            </p:txBody>
-          </p:sp>
-          <p:sp>
-            <p:nvSpPr>
-              <p:cNvPr id="174" name="正方形/長方形 173">
-                <a:extLst>
-                  <a:ext uri="{FF2B5EF4-FFF2-40B4-BE49-F238E27FC236}">
-                    <a16:creationId xmlns:a16="http://schemas.microsoft.com/office/drawing/2014/main" id="{950A4AD4-8924-C349-BBCC-7E0F7DD9CBE4}"/>
-                  </a:ext>
-                </a:extLst>
-              </p:cNvPr>
-              <p:cNvSpPr/>
-              <p:nvPr/>
-            </p:nvSpPr>
-            <p:spPr>
-              <a:xfrm>
-                <a:off x="1548043" y="3057040"/>
-                <a:ext cx="1800000" cy="432000"/>
-              </a:xfrm>
-              <a:prstGeom prst="rect">
-                <a:avLst/>
-              </a:prstGeom>
-              <a:solidFill>
-                <a:schemeClr val="bg2"/>
-              </a:solidFill>
-            </p:spPr>
-            <p:style>
-              <a:lnRef idx="2">
-                <a:schemeClr val="accent1">
-                  <a:shade val="50000"/>
-                </a:schemeClr>
-              </a:lnRef>
-              <a:fillRef idx="1">
-                <a:schemeClr val="accent1"/>
-              </a:fillRef>
-              <a:effectRef idx="0">
-                <a:schemeClr val="accent1"/>
-              </a:effectRef>
-              <a:fontRef idx="minor">
-                <a:schemeClr val="lt1"/>
-              </a:fontRef>
-            </p:style>
-            <p:txBody>
-              <a:bodyPr rtlCol="0" anchor="ctr"/>
-              <a:lstStyle/>
-              <a:p>
-                <a:pPr algn="ctr"/>
-                <a:r>
-                  <a:rPr kumimoji="1" lang="en-US" altLang="ja-JP" dirty="0">
-                    <a:solidFill>
-                      <a:schemeClr val="tx1"/>
-                    </a:solidFill>
-                  </a:rPr>
-                  <a:t>barrier</a:t>
-                </a:r>
-                <a:endParaRPr kumimoji="1" lang="ja-JP" altLang="en-US">
-                  <a:solidFill>
-                    <a:schemeClr val="tx1"/>
-                  </a:solidFill>
-                </a:endParaRPr>
-              </a:p>
-            </p:txBody>
-          </p:sp>
-          <p:sp>
-            <p:nvSpPr>
-              <p:cNvPr id="175" name="正方形/長方形 174">
-                <a:extLst>
-                  <a:ext uri="{FF2B5EF4-FFF2-40B4-BE49-F238E27FC236}">
-                    <a16:creationId xmlns:a16="http://schemas.microsoft.com/office/drawing/2014/main" id="{F36A62DC-4E04-2743-9FF2-0B173DF9C3E1}"/>
-                  </a:ext>
-                </a:extLst>
-              </p:cNvPr>
-              <p:cNvSpPr/>
-              <p:nvPr/>
-            </p:nvSpPr>
-            <p:spPr>
-              <a:xfrm>
-                <a:off x="1548043" y="2509227"/>
-                <a:ext cx="1800000" cy="540000"/>
-              </a:xfrm>
-              <a:prstGeom prst="rect">
-                <a:avLst/>
-              </a:prstGeom>
-              <a:solidFill>
-                <a:srgbClr val="FF0000"/>
-              </a:solidFill>
-            </p:spPr>
-            <p:style>
-              <a:lnRef idx="2">
-                <a:schemeClr val="accent1">
-                  <a:shade val="50000"/>
-                </a:schemeClr>
-              </a:lnRef>
-              <a:fillRef idx="1">
-                <a:schemeClr val="accent1"/>
-              </a:fillRef>
-              <a:effectRef idx="0">
-                <a:schemeClr val="accent1"/>
-              </a:effectRef>
-              <a:fontRef idx="minor">
-                <a:schemeClr val="lt1"/>
-              </a:fontRef>
-            </p:style>
-            <p:txBody>
-              <a:bodyPr rtlCol="0" anchor="ctr"/>
-              <a:lstStyle/>
-              <a:p>
-                <a:pPr algn="ctr"/>
-                <a:r>
-                  <a:rPr kumimoji="1" lang="en-US" altLang="ja-JP" dirty="0">
-                    <a:solidFill>
-                      <a:schemeClr val="tx1"/>
-                    </a:solidFill>
-                  </a:rPr>
-                  <a:t>well</a:t>
-                </a:r>
-                <a:endParaRPr kumimoji="1" lang="ja-JP" altLang="en-US">
-                  <a:solidFill>
-                    <a:schemeClr val="tx1"/>
-                  </a:solidFill>
-                </a:endParaRPr>
-              </a:p>
-            </p:txBody>
-          </p:sp>
-        </p:grpSp>
+                </a:rPr>
+                <a:t>well</a:t>
+              </a:r>
+              <a:endParaRPr kumimoji="1" lang="ja-JP" altLang="en-US">
+                <a:solidFill>
+                  <a:schemeClr val="tx1"/>
+                </a:solidFill>
+              </a:endParaRPr>
+            </a:p>
+          </p:txBody>
+        </p:sp>
       </p:grpSp>
       <p:grpSp>
         <p:nvGrpSpPr>
@@ -6155,7 +6237,7 @@
         </p:nvSpPr>
         <p:spPr>
           <a:xfrm>
-            <a:off x="-611984" y="6623379"/>
+            <a:off x="-611984" y="7201508"/>
             <a:ext cx="5400000" cy="540000"/>
           </a:xfrm>
           <a:prstGeom prst="rect">
@@ -6169,7 +6251,9 @@
           </a:solidFill>
           <a:ln w="12700" cap="flat" cmpd="sng" algn="ctr">
             <a:solidFill>
-              <a:srgbClr val="70AD47"/>
+              <a:schemeClr val="bg2">
+                <a:lumMod val="50000"/>
+              </a:schemeClr>
             </a:solidFill>
             <a:prstDash val="solid"/>
             <a:miter lim="800000"/>
@@ -6320,7 +6404,7 @@
         </p:nvSpPr>
         <p:spPr>
           <a:xfrm>
-            <a:off x="-611984" y="6111949"/>
+            <a:off x="-611984" y="6690078"/>
             <a:ext cx="5400000" cy="540000"/>
           </a:xfrm>
           <a:prstGeom prst="rect">
@@ -6428,7 +6512,7 @@
         </p:nvSpPr>
         <p:spPr>
           <a:xfrm>
-            <a:off x="-611984" y="3986774"/>
+            <a:off x="-611984" y="4270131"/>
             <a:ext cx="5400000" cy="360000"/>
           </a:xfrm>
           <a:prstGeom prst="rect">
@@ -6441,7 +6525,7 @@
           </a:solidFill>
           <a:ln w="12700" cap="flat" cmpd="sng" algn="ctr">
             <a:solidFill>
-              <a:srgbClr val="FF0000"/>
+              <a:srgbClr val="C70001"/>
             </a:solidFill>
             <a:prstDash val="solid"/>
             <a:miter lim="800000"/>
@@ -6470,6 +6554,28 @@
               <a:defRPr/>
             </a:pPr>
             <a:r>
+              <a:rPr lang="en-US" altLang="ja-JP" kern="0" dirty="0">
+                <a:latin typeface="Arial" panose="020B0604020202020204" pitchFamily="34" charset="0"/>
+                <a:ea typeface="游ゴシック" panose="020B0400000000000000" pitchFamily="50" charset="-128"/>
+                <a:cs typeface="Arial" panose="020B0604020202020204" pitchFamily="34" charset="0"/>
+              </a:rPr>
+              <a:t>A</a:t>
+            </a:r>
+            <a:r>
+              <a:rPr kumimoji="1" lang="en-US" altLang="ja-JP" sz="1800" b="0" i="0" u="none" strike="noStrike" kern="0" cap="none" spc="0" normalizeH="0" baseline="0" noProof="0" dirty="0" err="1">
+                <a:ln>
+                  <a:noFill/>
+                </a:ln>
+                <a:effectLst/>
+                <a:uLnTx/>
+                <a:uFillTx/>
+                <a:latin typeface="Arial" panose="020B0604020202020204" pitchFamily="34" charset="0"/>
+                <a:ea typeface="游ゴシック" panose="020B0400000000000000" pitchFamily="50" charset="-128"/>
+                <a:cs typeface="Arial" panose="020B0604020202020204" pitchFamily="34" charset="0"/>
+              </a:rPr>
+              <a:t>ctive</a:t>
+            </a:r>
+            <a:r>
               <a:rPr kumimoji="1" lang="en-US" altLang="ja-JP" sz="1800" b="0" i="0" u="none" strike="noStrike" kern="0" cap="none" spc="0" normalizeH="0" baseline="0" noProof="0" dirty="0">
                 <a:ln>
                   <a:noFill/>
@@ -6481,7 +6587,7 @@
                 <a:ea typeface="游ゴシック" panose="020B0400000000000000" pitchFamily="50" charset="-128"/>
                 <a:cs typeface="Arial" panose="020B0604020202020204" pitchFamily="34" charset="0"/>
               </a:rPr>
-              <a:t>active layer</a:t>
+              <a:t> layer</a:t>
             </a:r>
             <a:r>
               <a:rPr kumimoji="1" lang="ja-JP" altLang="en-US" sz="1800" b="0" i="0" u="none" strike="noStrike" kern="0" cap="none" spc="0" normalizeH="0" baseline="0" noProof="0" dirty="0">
@@ -6514,8 +6620,8 @@
         </p:nvSpPr>
         <p:spPr>
           <a:xfrm>
-            <a:off x="-611984" y="4318209"/>
-            <a:ext cx="5400000" cy="288000"/>
+            <a:off x="-611984" y="4634457"/>
+            <a:ext cx="5400000" cy="540000"/>
           </a:xfrm>
           <a:prstGeom prst="rect">
             <a:avLst/>
@@ -6527,9 +6633,9 @@
           </a:solidFill>
           <a:ln w="12700" cap="flat" cmpd="sng" algn="ctr">
             <a:solidFill>
-              <a:sysClr val="window" lastClr="FFFFFF">
-                <a:lumMod val="75000"/>
-              </a:sysClr>
+              <a:schemeClr val="bg2">
+                <a:lumMod val="50000"/>
+              </a:schemeClr>
             </a:solidFill>
             <a:prstDash val="solid"/>
             <a:miter lim="800000"/>
@@ -6634,7 +6740,7 @@
         <p:spPr>
           <a:xfrm>
             <a:off x="-611984" y="3727339"/>
-            <a:ext cx="5400000" cy="288000"/>
+            <a:ext cx="5400000" cy="540000"/>
           </a:xfrm>
           <a:prstGeom prst="rect">
             <a:avLst/>
@@ -6646,9 +6752,9 @@
           </a:solidFill>
           <a:ln w="12700" cap="flat" cmpd="sng" algn="ctr">
             <a:solidFill>
-              <a:sysClr val="window" lastClr="FFFFFF">
-                <a:lumMod val="75000"/>
-              </a:sysClr>
+              <a:schemeClr val="bg2">
+                <a:lumMod val="50000"/>
+              </a:schemeClr>
             </a:solidFill>
             <a:prstDash val="solid"/>
             <a:miter lim="800000"/>
@@ -6749,7 +6855,7 @@
         </p:nvSpPr>
         <p:spPr>
           <a:xfrm>
-            <a:off x="-611984" y="5600514"/>
+            <a:off x="-611984" y="6178643"/>
             <a:ext cx="5400000" cy="540000"/>
           </a:xfrm>
           <a:prstGeom prst="rect">
@@ -6817,7 +6923,7 @@
                 <a:ea typeface="游ゴシック" panose="020B0400000000000000" pitchFamily="50" charset="-128"/>
                 <a:cs typeface="Arial" panose="020B0604020202020204" pitchFamily="34" charset="0"/>
               </a:rPr>
-              <a:t>p-</a:t>
+              <a:t>n-</a:t>
             </a:r>
             <a:r>
               <a:rPr lang="en-US" altLang="ja-JP" kern="0" dirty="0" err="1">
@@ -6940,7 +7046,7 @@
         </p:nvSpPr>
         <p:spPr>
           <a:xfrm>
-            <a:off x="-611984" y="5089079"/>
+            <a:off x="-611984" y="5667208"/>
             <a:ext cx="5400000" cy="540000"/>
           </a:xfrm>
           <a:prstGeom prst="rect">
@@ -6993,7 +7099,7 @@
                 <a:ea typeface="游ゴシック" panose="020B0400000000000000" pitchFamily="50" charset="-128"/>
                 <a:cs typeface="Arial" panose="020B0604020202020204" pitchFamily="34" charset="0"/>
               </a:rPr>
-              <a:t>p-</a:t>
+              <a:t>n-</a:t>
             </a:r>
             <a:r>
               <a:rPr lang="en-US" altLang="ja-JP" kern="0" dirty="0" err="1">
@@ -7072,7 +7178,7 @@
         </p:nvSpPr>
         <p:spPr>
           <a:xfrm>
-            <a:off x="-611984" y="4577644"/>
+            <a:off x="-611984" y="5155773"/>
             <a:ext cx="5400000" cy="540000"/>
           </a:xfrm>
           <a:prstGeom prst="rect">
@@ -7143,7 +7249,7 @@
                 <a:ea typeface="游ゴシック" panose="020B0400000000000000" pitchFamily="50" charset="-128"/>
                 <a:cs typeface="Arial" panose="020B0604020202020204" pitchFamily="34" charset="0"/>
               </a:rPr>
-              <a:t>p-</a:t>
+              <a:t>n-</a:t>
             </a:r>
             <a:r>
               <a:rPr lang="en-US" altLang="ja-JP" kern="0" dirty="0" err="1">
@@ -7785,20 +7891,26 @@
               </a:ext>
             </a:extLst>
           </p:cNvPr>
-          <p:cNvCxnSpPr/>
+          <p:cNvCxnSpPr>
+            <a:cxnSpLocks/>
+          </p:cNvCxnSpPr>
           <p:nvPr/>
         </p:nvCxnSpPr>
         <p:spPr>
           <a:xfrm flipV="1">
-            <a:off x="5632704" y="145649"/>
-            <a:ext cx="0" cy="7163379"/>
+            <a:off x="5420290" y="145651"/>
+            <a:ext cx="0" cy="7643149"/>
           </a:xfrm>
           <a:prstGeom prst="straightConnector1">
             <a:avLst/>
           </a:prstGeom>
           <a:ln>
-            <a:prstDash val="dash"/>
-            <a:tailEnd type="triangle"/>
+            <a:solidFill>
+              <a:schemeClr val="tx1"/>
+            </a:solidFill>
+            <a:prstDash val="sysDot"/>
+            <a:headEnd type="none" w="med" len="med"/>
+            <a:tailEnd type="none" w="med" len="med"/>
           </a:ln>
         </p:spPr>
         <p:style>
@@ -7832,243 +7944,15 @@
         </p:nvCxnSpPr>
         <p:spPr>
           <a:xfrm flipV="1">
-            <a:off x="6330950" y="145650"/>
-            <a:ext cx="0" cy="7163378"/>
+            <a:off x="6305593" y="145651"/>
+            <a:ext cx="0" cy="7643149"/>
           </a:xfrm>
           <a:prstGeom prst="line">
             <a:avLst/>
           </a:prstGeom>
           <a:ln>
-            <a:prstDash val="dash"/>
+            <a:prstDash val="sysDot"/>
           </a:ln>
-        </p:spPr>
-        <p:style>
-          <a:lnRef idx="1">
-            <a:schemeClr val="dk1"/>
-          </a:lnRef>
-          <a:fillRef idx="0">
-            <a:schemeClr val="dk1"/>
-          </a:fillRef>
-          <a:effectRef idx="0">
-            <a:schemeClr val="dk1"/>
-          </a:effectRef>
-          <a:fontRef idx="minor">
-            <a:schemeClr val="tx1"/>
-          </a:fontRef>
-        </p:style>
-      </p:cxnSp>
-      <p:cxnSp>
-        <p:nvCxnSpPr>
-          <p:cNvPr id="98" name="直線コネクタ 97">
-            <a:extLst>
-              <a:ext uri="{FF2B5EF4-FFF2-40B4-BE49-F238E27FC236}">
-                <a16:creationId xmlns:a16="http://schemas.microsoft.com/office/drawing/2014/main" id="{9B08082A-E391-E443-BFDA-52B94479DE78}"/>
-              </a:ext>
-            </a:extLst>
-          </p:cNvPr>
-          <p:cNvCxnSpPr>
-            <a:cxnSpLocks/>
-          </p:cNvCxnSpPr>
-          <p:nvPr/>
-        </p:nvCxnSpPr>
-        <p:spPr>
-          <a:xfrm flipV="1">
-            <a:off x="5632704" y="2205159"/>
-            <a:ext cx="702544" cy="536951"/>
-          </a:xfrm>
-          <a:prstGeom prst="line">
-            <a:avLst/>
-          </a:prstGeom>
-        </p:spPr>
-        <p:style>
-          <a:lnRef idx="1">
-            <a:schemeClr val="dk1"/>
-          </a:lnRef>
-          <a:fillRef idx="0">
-            <a:schemeClr val="dk1"/>
-          </a:fillRef>
-          <a:effectRef idx="0">
-            <a:schemeClr val="dk1"/>
-          </a:effectRef>
-          <a:fontRef idx="minor">
-            <a:schemeClr val="tx1"/>
-          </a:fontRef>
-        </p:style>
-      </p:cxnSp>
-      <p:cxnSp>
-        <p:nvCxnSpPr>
-          <p:cNvPr id="100" name="直線コネクタ 99">
-            <a:extLst>
-              <a:ext uri="{FF2B5EF4-FFF2-40B4-BE49-F238E27FC236}">
-                <a16:creationId xmlns:a16="http://schemas.microsoft.com/office/drawing/2014/main" id="{E1DC7480-1635-C64E-8D1E-C813B35E7F38}"/>
-              </a:ext>
-            </a:extLst>
-          </p:cNvPr>
-          <p:cNvCxnSpPr>
-            <a:cxnSpLocks/>
-          </p:cNvCxnSpPr>
-          <p:nvPr/>
-        </p:nvCxnSpPr>
-        <p:spPr>
-          <a:xfrm flipV="1">
-            <a:off x="5632704" y="2244065"/>
-            <a:ext cx="0" cy="2300009"/>
-          </a:xfrm>
-          <a:prstGeom prst="line">
-            <a:avLst/>
-          </a:prstGeom>
-        </p:spPr>
-        <p:style>
-          <a:lnRef idx="1">
-            <a:schemeClr val="dk1"/>
-          </a:lnRef>
-          <a:fillRef idx="0">
-            <a:schemeClr val="dk1"/>
-          </a:fillRef>
-          <a:effectRef idx="0">
-            <a:schemeClr val="dk1"/>
-          </a:effectRef>
-          <a:fontRef idx="minor">
-            <a:schemeClr val="tx1"/>
-          </a:fontRef>
-        </p:style>
-      </p:cxnSp>
-      <p:cxnSp>
-        <p:nvCxnSpPr>
-          <p:cNvPr id="103" name="直線コネクタ 102">
-            <a:extLst>
-              <a:ext uri="{FF2B5EF4-FFF2-40B4-BE49-F238E27FC236}">
-                <a16:creationId xmlns:a16="http://schemas.microsoft.com/office/drawing/2014/main" id="{EA21C617-E054-FE43-9B9A-6016E0C1634B}"/>
-              </a:ext>
-            </a:extLst>
-          </p:cNvPr>
-          <p:cNvCxnSpPr>
-            <a:cxnSpLocks/>
-          </p:cNvCxnSpPr>
-          <p:nvPr/>
-        </p:nvCxnSpPr>
-        <p:spPr>
-          <a:xfrm>
-            <a:off x="5650307" y="4571983"/>
-            <a:ext cx="684941" cy="561173"/>
-          </a:xfrm>
-          <a:prstGeom prst="line">
-            <a:avLst/>
-          </a:prstGeom>
-        </p:spPr>
-        <p:style>
-          <a:lnRef idx="1">
-            <a:schemeClr val="dk1"/>
-          </a:lnRef>
-          <a:fillRef idx="0">
-            <a:schemeClr val="dk1"/>
-          </a:fillRef>
-          <a:effectRef idx="0">
-            <a:schemeClr val="dk1"/>
-          </a:effectRef>
-          <a:fontRef idx="minor">
-            <a:schemeClr val="tx1"/>
-          </a:fontRef>
-        </p:style>
-      </p:cxnSp>
-      <p:cxnSp>
-        <p:nvCxnSpPr>
-          <p:cNvPr id="105" name="直線コネクタ 104">
-            <a:extLst>
-              <a:ext uri="{FF2B5EF4-FFF2-40B4-BE49-F238E27FC236}">
-                <a16:creationId xmlns:a16="http://schemas.microsoft.com/office/drawing/2014/main" id="{36B33DE1-0B0E-6A44-8156-A6C5BCD34B2C}"/>
-              </a:ext>
-            </a:extLst>
-          </p:cNvPr>
-          <p:cNvCxnSpPr>
-            <a:cxnSpLocks/>
-          </p:cNvCxnSpPr>
-          <p:nvPr/>
-        </p:nvCxnSpPr>
-        <p:spPr>
-          <a:xfrm flipH="1">
-            <a:off x="5632703" y="5660103"/>
-            <a:ext cx="692278" cy="480411"/>
-          </a:xfrm>
-          <a:prstGeom prst="line">
-            <a:avLst/>
-          </a:prstGeom>
-        </p:spPr>
-        <p:style>
-          <a:lnRef idx="1">
-            <a:schemeClr val="dk1"/>
-          </a:lnRef>
-          <a:fillRef idx="0">
-            <a:schemeClr val="dk1"/>
-          </a:fillRef>
-          <a:effectRef idx="0">
-            <a:schemeClr val="dk1"/>
-          </a:effectRef>
-          <a:fontRef idx="minor">
-            <a:schemeClr val="tx1"/>
-          </a:fontRef>
-        </p:style>
-      </p:cxnSp>
-      <p:cxnSp>
-        <p:nvCxnSpPr>
-          <p:cNvPr id="106" name="直線コネクタ 105">
-            <a:extLst>
-              <a:ext uri="{FF2B5EF4-FFF2-40B4-BE49-F238E27FC236}">
-                <a16:creationId xmlns:a16="http://schemas.microsoft.com/office/drawing/2014/main" id="{2BE567BB-0F62-3149-BA6A-6683642F0CB3}"/>
-              </a:ext>
-            </a:extLst>
-          </p:cNvPr>
-          <p:cNvCxnSpPr>
-            <a:cxnSpLocks/>
-          </p:cNvCxnSpPr>
-          <p:nvPr/>
-        </p:nvCxnSpPr>
-        <p:spPr>
-          <a:xfrm flipV="1">
-            <a:off x="6335248" y="5197050"/>
-            <a:ext cx="0" cy="490786"/>
-          </a:xfrm>
-          <a:prstGeom prst="line">
-            <a:avLst/>
-          </a:prstGeom>
-        </p:spPr>
-        <p:style>
-          <a:lnRef idx="1">
-            <a:schemeClr val="dk1"/>
-          </a:lnRef>
-          <a:fillRef idx="0">
-            <a:schemeClr val="dk1"/>
-          </a:fillRef>
-          <a:effectRef idx="0">
-            <a:schemeClr val="dk1"/>
-          </a:effectRef>
-          <a:fontRef idx="minor">
-            <a:schemeClr val="tx1"/>
-          </a:fontRef>
-        </p:style>
-      </p:cxnSp>
-      <p:cxnSp>
-        <p:nvCxnSpPr>
-          <p:cNvPr id="107" name="直線コネクタ 106">
-            <a:extLst>
-              <a:ext uri="{FF2B5EF4-FFF2-40B4-BE49-F238E27FC236}">
-                <a16:creationId xmlns:a16="http://schemas.microsoft.com/office/drawing/2014/main" id="{D826F40D-0A1E-CD4A-984B-3CB93E556580}"/>
-              </a:ext>
-            </a:extLst>
-          </p:cNvPr>
-          <p:cNvCxnSpPr>
-            <a:cxnSpLocks/>
-          </p:cNvCxnSpPr>
-          <p:nvPr/>
-        </p:nvCxnSpPr>
-        <p:spPr>
-          <a:xfrm flipV="1">
-            <a:off x="5622437" y="6174107"/>
-            <a:ext cx="0" cy="826654"/>
-          </a:xfrm>
-          <a:prstGeom prst="line">
-            <a:avLst/>
-          </a:prstGeom>
         </p:spPr>
         <p:style>
           <a:lnRef idx="1">
@@ -8102,49 +7986,14 @@
         <p:spPr>
           <a:xfrm>
             <a:off x="4788016" y="1166970"/>
-            <a:ext cx="1542934" cy="0"/>
+            <a:ext cx="1517577" cy="0"/>
           </a:xfrm>
           <a:prstGeom prst="line">
             <a:avLst/>
           </a:prstGeom>
-        </p:spPr>
-        <p:style>
-          <a:lnRef idx="1">
-            <a:schemeClr val="dk1"/>
-          </a:lnRef>
-          <a:fillRef idx="0">
-            <a:schemeClr val="dk1"/>
-          </a:fillRef>
-          <a:effectRef idx="0">
-            <a:schemeClr val="dk1"/>
-          </a:effectRef>
-          <a:fontRef idx="minor">
-            <a:schemeClr val="tx1"/>
-          </a:fontRef>
-        </p:style>
-      </p:cxnSp>
-      <p:cxnSp>
-        <p:nvCxnSpPr>
-          <p:cNvPr id="180" name="直線コネクタ 179">
-            <a:extLst>
-              <a:ext uri="{FF2B5EF4-FFF2-40B4-BE49-F238E27FC236}">
-                <a16:creationId xmlns:a16="http://schemas.microsoft.com/office/drawing/2014/main" id="{46EF5972-A5AE-6645-9609-9B488BCA4639}"/>
-              </a:ext>
-            </a:extLst>
-          </p:cNvPr>
-          <p:cNvCxnSpPr>
-            <a:cxnSpLocks/>
-          </p:cNvCxnSpPr>
-          <p:nvPr/>
-        </p:nvCxnSpPr>
-        <p:spPr>
-          <a:xfrm flipH="1" flipV="1">
-            <a:off x="6330950" y="1138042"/>
-            <a:ext cx="4298" cy="1083557"/>
-          </a:xfrm>
-          <a:prstGeom prst="line">
-            <a:avLst/>
-          </a:prstGeom>
+          <a:ln>
+            <a:prstDash val="dash"/>
+          </a:ln>
         </p:spPr>
         <p:style>
           <a:lnRef idx="1">
@@ -8178,11 +8027,14 @@
         <p:spPr>
           <a:xfrm>
             <a:off x="4788016" y="1707114"/>
-            <a:ext cx="1542934" cy="0"/>
+            <a:ext cx="1517577" cy="0"/>
           </a:xfrm>
           <a:prstGeom prst="line">
             <a:avLst/>
           </a:prstGeom>
+          <a:ln>
+            <a:prstDash val="dash"/>
+          </a:ln>
         </p:spPr>
         <p:style>
           <a:lnRef idx="1">
@@ -8216,11 +8068,14 @@
         <p:spPr>
           <a:xfrm>
             <a:off x="4788016" y="2221599"/>
-            <a:ext cx="1669934" cy="0"/>
+            <a:ext cx="1517577" cy="0"/>
           </a:xfrm>
           <a:prstGeom prst="line">
             <a:avLst/>
           </a:prstGeom>
+          <a:ln>
+            <a:prstDash val="dash"/>
+          </a:ln>
         </p:spPr>
         <p:style>
           <a:lnRef idx="1">
@@ -8254,49 +8109,14 @@
         <p:spPr>
           <a:xfrm>
             <a:off x="4788016" y="658729"/>
-            <a:ext cx="1583292" cy="0"/>
+            <a:ext cx="1517577" cy="0"/>
           </a:xfrm>
           <a:prstGeom prst="line">
             <a:avLst/>
           </a:prstGeom>
-        </p:spPr>
-        <p:style>
-          <a:lnRef idx="1">
-            <a:schemeClr val="dk1"/>
-          </a:lnRef>
-          <a:fillRef idx="0">
-            <a:schemeClr val="dk1"/>
-          </a:fillRef>
-          <a:effectRef idx="0">
-            <a:schemeClr val="dk1"/>
-          </a:effectRef>
-          <a:fontRef idx="minor">
-            <a:schemeClr val="tx1"/>
-          </a:fontRef>
-        </p:style>
-      </p:cxnSp>
-      <p:cxnSp>
-        <p:nvCxnSpPr>
-          <p:cNvPr id="187" name="直線コネクタ 186">
-            <a:extLst>
-              <a:ext uri="{FF2B5EF4-FFF2-40B4-BE49-F238E27FC236}">
-                <a16:creationId xmlns:a16="http://schemas.microsoft.com/office/drawing/2014/main" id="{F37FA313-0408-0D48-B14F-952F79F3BA3A}"/>
-              </a:ext>
-            </a:extLst>
-          </p:cNvPr>
-          <p:cNvCxnSpPr>
-            <a:cxnSpLocks/>
-          </p:cNvCxnSpPr>
-          <p:nvPr/>
-        </p:nvCxnSpPr>
-        <p:spPr>
-          <a:xfrm>
-            <a:off x="5622437" y="624950"/>
-            <a:ext cx="702544" cy="536951"/>
-          </a:xfrm>
-          <a:prstGeom prst="line">
-            <a:avLst/>
-          </a:prstGeom>
+          <a:ln>
+            <a:prstDash val="dash"/>
+          </a:ln>
         </p:spPr>
         <p:style>
           <a:lnRef idx="1">
@@ -8329,12 +8149,15 @@
         </p:nvCxnSpPr>
         <p:spPr>
           <a:xfrm>
-            <a:off x="4788016" y="4571983"/>
-            <a:ext cx="1483271" cy="0"/>
+            <a:off x="4788016" y="5150112"/>
+            <a:ext cx="1517577" cy="0"/>
           </a:xfrm>
           <a:prstGeom prst="line">
             <a:avLst/>
           </a:prstGeom>
+          <a:ln>
+            <a:prstDash val="dash"/>
+          </a:ln>
         </p:spPr>
         <p:style>
           <a:lnRef idx="1">
@@ -8367,12 +8190,18 @@
         </p:nvCxnSpPr>
         <p:spPr>
           <a:xfrm>
-            <a:off x="4788016" y="5133156"/>
-            <a:ext cx="1669934" cy="0"/>
+            <a:off x="4788016" y="5711285"/>
+            <a:ext cx="1517577" cy="0"/>
           </a:xfrm>
           <a:prstGeom prst="line">
             <a:avLst/>
           </a:prstGeom>
+          <a:ln>
+            <a:solidFill>
+              <a:schemeClr val="tx1"/>
+            </a:solidFill>
+            <a:prstDash val="dash"/>
+          </a:ln>
         </p:spPr>
         <p:style>
           <a:lnRef idx="1">
@@ -8405,12 +8234,18 @@
         </p:nvCxnSpPr>
         <p:spPr>
           <a:xfrm>
-            <a:off x="4788016" y="5647413"/>
-            <a:ext cx="1669934" cy="0"/>
+            <a:off x="4788016" y="6225542"/>
+            <a:ext cx="1517577" cy="0"/>
           </a:xfrm>
           <a:prstGeom prst="line">
             <a:avLst/>
           </a:prstGeom>
+          <a:ln>
+            <a:solidFill>
+              <a:schemeClr val="tx1"/>
+            </a:solidFill>
+            <a:prstDash val="dash"/>
+          </a:ln>
         </p:spPr>
         <p:style>
           <a:lnRef idx="1">
@@ -8443,12 +8278,18 @@
         </p:nvCxnSpPr>
         <p:spPr>
           <a:xfrm>
-            <a:off x="4788016" y="6140514"/>
-            <a:ext cx="1769795" cy="0"/>
+            <a:off x="4788016" y="6718643"/>
+            <a:ext cx="1517577" cy="0"/>
           </a:xfrm>
           <a:prstGeom prst="line">
             <a:avLst/>
           </a:prstGeom>
+          <a:ln>
+            <a:solidFill>
+              <a:schemeClr val="tx1"/>
+            </a:solidFill>
+            <a:prstDash val="dash"/>
+          </a:ln>
         </p:spPr>
         <p:style>
           <a:lnRef idx="1">
@@ -8482,11 +8323,14 @@
         <p:spPr>
           <a:xfrm>
             <a:off x="4788016" y="2704469"/>
-            <a:ext cx="1769795" cy="0"/>
+            <a:ext cx="1517577" cy="0"/>
           </a:xfrm>
           <a:prstGeom prst="line">
             <a:avLst/>
           </a:prstGeom>
+          <a:ln>
+            <a:prstDash val="dash"/>
+          </a:ln>
         </p:spPr>
         <p:style>
           <a:lnRef idx="1">
@@ -8540,7 +8384,11 @@
             </a:pPr>
             <a:r>
               <a:rPr lang="en-US" altLang="ja-JP" sz="1600" dirty="0"/>
-              <a:t>10 periods</a:t>
+              <a:t>10 </a:t>
+            </a:r>
+            <a:r>
+              <a:rPr lang="ja-JP" altLang="en-US" sz="1600"/>
+              <a:t>周期</a:t>
             </a:r>
             <a:endParaRPr kumimoji="1" lang="en-US" altLang="ja-JP" sz="1600" b="0" i="0" u="none" strike="noStrike" kern="0" cap="none" spc="0" normalizeH="0" baseline="0" noProof="0" dirty="0">
               <a:ln>
@@ -8792,7 +8640,7 @@
         </p:nvSpPr>
         <p:spPr>
           <a:xfrm>
-            <a:off x="6867679" y="185627"/>
+            <a:off x="6837357" y="1043180"/>
             <a:ext cx="577034" cy="369332"/>
           </a:xfrm>
           <a:prstGeom prst="rect">
@@ -8864,7 +8712,7 @@
         </p:nvSpPr>
         <p:spPr>
           <a:xfrm>
-            <a:off x="7062288" y="-254461"/>
+            <a:off x="7031966" y="603092"/>
             <a:ext cx="2219567" cy="400110"/>
           </a:xfrm>
           <a:prstGeom prst="rect">
@@ -8963,6 +8811,757 @@
           </a:p>
         </p:txBody>
       </p:sp>
+      <p:sp>
+        <p:nvSpPr>
+          <p:cNvPr id="109" name="テキスト ボックス 108">
+            <a:extLst>
+              <a:ext uri="{FF2B5EF4-FFF2-40B4-BE49-F238E27FC236}">
+                <a16:creationId xmlns:a16="http://schemas.microsoft.com/office/drawing/2014/main" id="{6A868E63-8501-3A44-81FC-88D99126FC5F}"/>
+              </a:ext>
+            </a:extLst>
+          </p:cNvPr>
+          <p:cNvSpPr txBox="1"/>
+          <p:nvPr/>
+        </p:nvSpPr>
+        <p:spPr>
+          <a:xfrm rot="16200000">
+            <a:off x="9033157" y="5574518"/>
+            <a:ext cx="666156" cy="276999"/>
+          </a:xfrm>
+          <a:prstGeom prst="rect">
+            <a:avLst/>
+          </a:prstGeom>
+          <a:noFill/>
+        </p:spPr>
+        <p:txBody>
+          <a:bodyPr wrap="square" rtlCol="0">
+            <a:spAutoFit/>
+          </a:bodyPr>
+          <a:lstStyle/>
+          <a:p>
+            <a:r>
+              <a:rPr lang="ja-JP" altLang="en-US" sz="1200"/>
+              <a:t>・・・</a:t>
+            </a:r>
+            <a:endParaRPr kumimoji="1" lang="ja-JP" altLang="en-US" sz="1200"/>
+          </a:p>
+        </p:txBody>
+      </p:sp>
+      <p:sp>
+        <p:nvSpPr>
+          <p:cNvPr id="25" name="テキスト ボックス 24">
+            <a:extLst>
+              <a:ext uri="{FF2B5EF4-FFF2-40B4-BE49-F238E27FC236}">
+                <a16:creationId xmlns:a16="http://schemas.microsoft.com/office/drawing/2014/main" id="{040EB6C4-ED6B-DD47-8F95-A297A643BD7D}"/>
+              </a:ext>
+            </a:extLst>
+          </p:cNvPr>
+          <p:cNvSpPr txBox="1"/>
+          <p:nvPr/>
+        </p:nvSpPr>
+        <p:spPr>
+          <a:xfrm>
+            <a:off x="5959508" y="-256953"/>
+            <a:ext cx="1330221" cy="369332"/>
+          </a:xfrm>
+          <a:prstGeom prst="rect">
+            <a:avLst/>
+          </a:prstGeom>
+          <a:noFill/>
+        </p:spPr>
+        <p:txBody>
+          <a:bodyPr wrap="square" rtlCol="0">
+            <a:spAutoFit/>
+          </a:bodyPr>
+          <a:lstStyle/>
+          <a:p>
+            <a:r>
+              <a:rPr kumimoji="1" lang="ja-JP" altLang="en-US"/>
+              <a:t>屈折率</a:t>
+            </a:r>
+            <a:r>
+              <a:rPr kumimoji="1" lang="en-US" altLang="ja-JP" dirty="0"/>
+              <a:t>n</a:t>
+            </a:r>
+            <a:endParaRPr kumimoji="1" lang="ja-JP" altLang="en-US"/>
+          </a:p>
+        </p:txBody>
+      </p:sp>
+      <p:cxnSp>
+        <p:nvCxnSpPr>
+          <p:cNvPr id="119" name="直線コネクタ 118">
+            <a:extLst>
+              <a:ext uri="{FF2B5EF4-FFF2-40B4-BE49-F238E27FC236}">
+                <a16:creationId xmlns:a16="http://schemas.microsoft.com/office/drawing/2014/main" id="{77643778-9427-3C4E-9143-6D21975C6844}"/>
+              </a:ext>
+            </a:extLst>
+          </p:cNvPr>
+          <p:cNvCxnSpPr>
+            <a:cxnSpLocks/>
+          </p:cNvCxnSpPr>
+          <p:nvPr/>
+        </p:nvCxnSpPr>
+        <p:spPr>
+          <a:xfrm>
+            <a:off x="4796134" y="4630131"/>
+            <a:ext cx="1509459" cy="0"/>
+          </a:xfrm>
+          <a:prstGeom prst="line">
+            <a:avLst/>
+          </a:prstGeom>
+          <a:ln>
+            <a:prstDash val="dash"/>
+          </a:ln>
+        </p:spPr>
+        <p:style>
+          <a:lnRef idx="1">
+            <a:schemeClr val="dk1"/>
+          </a:lnRef>
+          <a:fillRef idx="0">
+            <a:schemeClr val="dk1"/>
+          </a:fillRef>
+          <a:effectRef idx="0">
+            <a:schemeClr val="dk1"/>
+          </a:effectRef>
+          <a:fontRef idx="minor">
+            <a:schemeClr val="tx1"/>
+          </a:fontRef>
+        </p:style>
+      </p:cxnSp>
+      <p:cxnSp>
+        <p:nvCxnSpPr>
+          <p:cNvPr id="120" name="直線コネクタ 119">
+            <a:extLst>
+              <a:ext uri="{FF2B5EF4-FFF2-40B4-BE49-F238E27FC236}">
+                <a16:creationId xmlns:a16="http://schemas.microsoft.com/office/drawing/2014/main" id="{51BD6827-09ED-B944-83EA-BD503E5CEDFD}"/>
+              </a:ext>
+            </a:extLst>
+          </p:cNvPr>
+          <p:cNvCxnSpPr>
+            <a:cxnSpLocks/>
+          </p:cNvCxnSpPr>
+          <p:nvPr/>
+        </p:nvCxnSpPr>
+        <p:spPr>
+          <a:xfrm>
+            <a:off x="4788016" y="4267339"/>
+            <a:ext cx="1517577" cy="0"/>
+          </a:xfrm>
+          <a:prstGeom prst="line">
+            <a:avLst/>
+          </a:prstGeom>
+          <a:ln>
+            <a:prstDash val="dash"/>
+          </a:ln>
+        </p:spPr>
+        <p:style>
+          <a:lnRef idx="1">
+            <a:schemeClr val="dk1"/>
+          </a:lnRef>
+          <a:fillRef idx="0">
+            <a:schemeClr val="dk1"/>
+          </a:fillRef>
+          <a:effectRef idx="0">
+            <a:schemeClr val="dk1"/>
+          </a:effectRef>
+          <a:fontRef idx="minor">
+            <a:schemeClr val="tx1"/>
+          </a:fontRef>
+        </p:style>
+      </p:cxnSp>
+      <p:grpSp>
+        <p:nvGrpSpPr>
+          <p:cNvPr id="40" name="グループ化 39">
+            <a:extLst>
+              <a:ext uri="{FF2B5EF4-FFF2-40B4-BE49-F238E27FC236}">
+                <a16:creationId xmlns:a16="http://schemas.microsoft.com/office/drawing/2014/main" id="{B935E85B-4165-3143-B736-3237E70DC088}"/>
+              </a:ext>
+            </a:extLst>
+          </p:cNvPr>
+          <p:cNvGrpSpPr/>
+          <p:nvPr/>
+        </p:nvGrpSpPr>
+        <p:grpSpPr>
+          <a:xfrm>
+            <a:off x="5415361" y="175859"/>
+            <a:ext cx="890232" cy="7612941"/>
+            <a:chOff x="5415361" y="175859"/>
+            <a:chExt cx="890232" cy="7612941"/>
+          </a:xfrm>
+        </p:grpSpPr>
+        <p:cxnSp>
+          <p:nvCxnSpPr>
+            <p:cNvPr id="103" name="直線コネクタ 102">
+              <a:extLst>
+                <a:ext uri="{FF2B5EF4-FFF2-40B4-BE49-F238E27FC236}">
+                  <a16:creationId xmlns:a16="http://schemas.microsoft.com/office/drawing/2014/main" id="{EA21C617-E054-FE43-9B9A-6016E0C1634B}"/>
+                </a:ext>
+              </a:extLst>
+            </p:cNvPr>
+            <p:cNvCxnSpPr>
+              <a:cxnSpLocks/>
+            </p:cNvCxnSpPr>
+            <p:nvPr/>
+          </p:nvCxnSpPr>
+          <p:spPr>
+            <a:xfrm flipH="1">
+              <a:off x="5415361" y="5155386"/>
+              <a:ext cx="674544" cy="565902"/>
+            </a:xfrm>
+            <a:prstGeom prst="line">
+              <a:avLst/>
+            </a:prstGeom>
+            <a:ln w="28575">
+              <a:solidFill>
+                <a:schemeClr val="tx1"/>
+              </a:solidFill>
+              <a:prstDash val="solid"/>
+            </a:ln>
+          </p:spPr>
+          <p:style>
+            <a:lnRef idx="1">
+              <a:schemeClr val="dk1"/>
+            </a:lnRef>
+            <a:fillRef idx="0">
+              <a:schemeClr val="dk1"/>
+            </a:fillRef>
+            <a:effectRef idx="0">
+              <a:schemeClr val="dk1"/>
+            </a:effectRef>
+            <a:fontRef idx="minor">
+              <a:schemeClr val="tx1"/>
+            </a:fontRef>
+          </p:style>
+        </p:cxnSp>
+        <p:cxnSp>
+          <p:nvCxnSpPr>
+            <p:cNvPr id="105" name="直線コネクタ 104">
+              <a:extLst>
+                <a:ext uri="{FF2B5EF4-FFF2-40B4-BE49-F238E27FC236}">
+                  <a16:creationId xmlns:a16="http://schemas.microsoft.com/office/drawing/2014/main" id="{36B33DE1-0B0E-6A44-8156-A6C5BCD34B2C}"/>
+                </a:ext>
+              </a:extLst>
+            </p:cNvPr>
+            <p:cNvCxnSpPr>
+              <a:cxnSpLocks/>
+            </p:cNvCxnSpPr>
+            <p:nvPr/>
+          </p:nvCxnSpPr>
+          <p:spPr>
+            <a:xfrm>
+              <a:off x="5415361" y="6225542"/>
+              <a:ext cx="674543" cy="486807"/>
+            </a:xfrm>
+            <a:prstGeom prst="line">
+              <a:avLst/>
+            </a:prstGeom>
+            <a:ln w="28575">
+              <a:solidFill>
+                <a:schemeClr val="tx1"/>
+              </a:solidFill>
+              <a:prstDash val="solid"/>
+            </a:ln>
+          </p:spPr>
+          <p:style>
+            <a:lnRef idx="1">
+              <a:schemeClr val="dk1"/>
+            </a:lnRef>
+            <a:fillRef idx="0">
+              <a:schemeClr val="dk1"/>
+            </a:fillRef>
+            <a:effectRef idx="0">
+              <a:schemeClr val="dk1"/>
+            </a:effectRef>
+            <a:fontRef idx="minor">
+              <a:schemeClr val="tx1"/>
+            </a:fontRef>
+          </p:style>
+        </p:cxnSp>
+        <p:cxnSp>
+          <p:nvCxnSpPr>
+            <p:cNvPr id="106" name="直線コネクタ 105">
+              <a:extLst>
+                <a:ext uri="{FF2B5EF4-FFF2-40B4-BE49-F238E27FC236}">
+                  <a16:creationId xmlns:a16="http://schemas.microsoft.com/office/drawing/2014/main" id="{2BE567BB-0F62-3149-BA6A-6683642F0CB3}"/>
+                </a:ext>
+              </a:extLst>
+            </p:cNvPr>
+            <p:cNvCxnSpPr>
+              <a:cxnSpLocks/>
+            </p:cNvCxnSpPr>
+            <p:nvPr/>
+          </p:nvCxnSpPr>
+          <p:spPr>
+            <a:xfrm flipV="1">
+              <a:off x="5421389" y="5721288"/>
+              <a:ext cx="0" cy="504254"/>
+            </a:xfrm>
+            <a:prstGeom prst="line">
+              <a:avLst/>
+            </a:prstGeom>
+            <a:ln w="28575">
+              <a:solidFill>
+                <a:schemeClr val="tx1"/>
+              </a:solidFill>
+              <a:prstDash val="solid"/>
+            </a:ln>
+          </p:spPr>
+          <p:style>
+            <a:lnRef idx="1">
+              <a:schemeClr val="dk1"/>
+            </a:lnRef>
+            <a:fillRef idx="0">
+              <a:schemeClr val="dk1"/>
+            </a:fillRef>
+            <a:effectRef idx="0">
+              <a:schemeClr val="dk1"/>
+            </a:effectRef>
+            <a:fontRef idx="minor">
+              <a:schemeClr val="tx1"/>
+            </a:fontRef>
+          </p:style>
+        </p:cxnSp>
+        <p:cxnSp>
+          <p:nvCxnSpPr>
+            <p:cNvPr id="180" name="直線コネクタ 179">
+              <a:extLst>
+                <a:ext uri="{FF2B5EF4-FFF2-40B4-BE49-F238E27FC236}">
+                  <a16:creationId xmlns:a16="http://schemas.microsoft.com/office/drawing/2014/main" id="{46EF5972-A5AE-6645-9609-9B488BCA4639}"/>
+                </a:ext>
+              </a:extLst>
+            </p:cNvPr>
+            <p:cNvCxnSpPr>
+              <a:cxnSpLocks/>
+            </p:cNvCxnSpPr>
+            <p:nvPr/>
+          </p:nvCxnSpPr>
+          <p:spPr>
+            <a:xfrm flipV="1">
+              <a:off x="6090321" y="2733034"/>
+              <a:ext cx="0" cy="1558072"/>
+            </a:xfrm>
+            <a:prstGeom prst="line">
+              <a:avLst/>
+            </a:prstGeom>
+            <a:ln w="28575">
+              <a:solidFill>
+                <a:schemeClr val="tx1"/>
+              </a:solidFill>
+              <a:prstDash val="solid"/>
+            </a:ln>
+          </p:spPr>
+          <p:style>
+            <a:lnRef idx="1">
+              <a:schemeClr val="dk1"/>
+            </a:lnRef>
+            <a:fillRef idx="0">
+              <a:schemeClr val="dk1"/>
+            </a:fillRef>
+            <a:effectRef idx="0">
+              <a:schemeClr val="dk1"/>
+            </a:effectRef>
+            <a:fontRef idx="minor">
+              <a:schemeClr val="tx1"/>
+            </a:fontRef>
+          </p:style>
+        </p:cxnSp>
+        <p:cxnSp>
+          <p:nvCxnSpPr>
+            <p:cNvPr id="187" name="直線コネクタ 186">
+              <a:extLst>
+                <a:ext uri="{FF2B5EF4-FFF2-40B4-BE49-F238E27FC236}">
+                  <a16:creationId xmlns:a16="http://schemas.microsoft.com/office/drawing/2014/main" id="{F37FA313-0408-0D48-B14F-952F79F3BA3A}"/>
+                </a:ext>
+              </a:extLst>
+            </p:cNvPr>
+            <p:cNvCxnSpPr>
+              <a:cxnSpLocks/>
+            </p:cNvCxnSpPr>
+            <p:nvPr/>
+          </p:nvCxnSpPr>
+          <p:spPr>
+            <a:xfrm flipV="1">
+              <a:off x="5419192" y="668733"/>
+              <a:ext cx="670712" cy="503334"/>
+            </a:xfrm>
+            <a:prstGeom prst="line">
+              <a:avLst/>
+            </a:prstGeom>
+            <a:ln w="28575">
+              <a:solidFill>
+                <a:schemeClr val="tx1"/>
+              </a:solidFill>
+              <a:prstDash val="solid"/>
+            </a:ln>
+          </p:spPr>
+          <p:style>
+            <a:lnRef idx="1">
+              <a:schemeClr val="dk1"/>
+            </a:lnRef>
+            <a:fillRef idx="0">
+              <a:schemeClr val="dk1"/>
+            </a:fillRef>
+            <a:effectRef idx="0">
+              <a:schemeClr val="dk1"/>
+            </a:effectRef>
+            <a:fontRef idx="minor">
+              <a:schemeClr val="tx1"/>
+            </a:fontRef>
+          </p:style>
+        </p:cxnSp>
+        <p:cxnSp>
+          <p:nvCxnSpPr>
+            <p:cNvPr id="94" name="直線コネクタ 93">
+              <a:extLst>
+                <a:ext uri="{FF2B5EF4-FFF2-40B4-BE49-F238E27FC236}">
+                  <a16:creationId xmlns:a16="http://schemas.microsoft.com/office/drawing/2014/main" id="{D7E66BB8-4C3E-7846-BB70-740E0375CD84}"/>
+                </a:ext>
+              </a:extLst>
+            </p:cNvPr>
+            <p:cNvCxnSpPr>
+              <a:cxnSpLocks/>
+            </p:cNvCxnSpPr>
+            <p:nvPr/>
+          </p:nvCxnSpPr>
+          <p:spPr>
+            <a:xfrm>
+              <a:off x="5415361" y="2228323"/>
+              <a:ext cx="682316" cy="478049"/>
+            </a:xfrm>
+            <a:prstGeom prst="line">
+              <a:avLst/>
+            </a:prstGeom>
+            <a:ln w="28575">
+              <a:solidFill>
+                <a:schemeClr val="tx1"/>
+              </a:solidFill>
+              <a:prstDash val="solid"/>
+            </a:ln>
+          </p:spPr>
+          <p:style>
+            <a:lnRef idx="1">
+              <a:schemeClr val="dk1"/>
+            </a:lnRef>
+            <a:fillRef idx="0">
+              <a:schemeClr val="dk1"/>
+            </a:fillRef>
+            <a:effectRef idx="0">
+              <a:schemeClr val="dk1"/>
+            </a:effectRef>
+            <a:fontRef idx="minor">
+              <a:schemeClr val="tx1"/>
+            </a:fontRef>
+          </p:style>
+        </p:cxnSp>
+        <p:cxnSp>
+          <p:nvCxnSpPr>
+            <p:cNvPr id="95" name="直線コネクタ 94">
+              <a:extLst>
+                <a:ext uri="{FF2B5EF4-FFF2-40B4-BE49-F238E27FC236}">
+                  <a16:creationId xmlns:a16="http://schemas.microsoft.com/office/drawing/2014/main" id="{613FE211-E10F-074F-9651-5A3BA5F675DF}"/>
+                </a:ext>
+              </a:extLst>
+            </p:cNvPr>
+            <p:cNvCxnSpPr>
+              <a:cxnSpLocks/>
+            </p:cNvCxnSpPr>
+            <p:nvPr/>
+          </p:nvCxnSpPr>
+          <p:spPr>
+            <a:xfrm flipV="1">
+              <a:off x="5415361" y="1170165"/>
+              <a:ext cx="0" cy="1051434"/>
+            </a:xfrm>
+            <a:prstGeom prst="line">
+              <a:avLst/>
+            </a:prstGeom>
+            <a:ln w="28575">
+              <a:solidFill>
+                <a:schemeClr val="tx1"/>
+              </a:solidFill>
+              <a:prstDash val="solid"/>
+            </a:ln>
+          </p:spPr>
+          <p:style>
+            <a:lnRef idx="1">
+              <a:schemeClr val="dk1"/>
+            </a:lnRef>
+            <a:fillRef idx="0">
+              <a:schemeClr val="dk1"/>
+            </a:fillRef>
+            <a:effectRef idx="0">
+              <a:schemeClr val="dk1"/>
+            </a:effectRef>
+            <a:fontRef idx="minor">
+              <a:schemeClr val="tx1"/>
+            </a:fontRef>
+          </p:style>
+        </p:cxnSp>
+        <p:cxnSp>
+          <p:nvCxnSpPr>
+            <p:cNvPr id="108" name="直線コネクタ 107">
+              <a:extLst>
+                <a:ext uri="{FF2B5EF4-FFF2-40B4-BE49-F238E27FC236}">
+                  <a16:creationId xmlns:a16="http://schemas.microsoft.com/office/drawing/2014/main" id="{63F5250D-D3BE-2A42-9BB4-FCCF16D165A0}"/>
+                </a:ext>
+              </a:extLst>
+            </p:cNvPr>
+            <p:cNvCxnSpPr>
+              <a:cxnSpLocks/>
+            </p:cNvCxnSpPr>
+            <p:nvPr/>
+          </p:nvCxnSpPr>
+          <p:spPr>
+            <a:xfrm flipH="1" flipV="1">
+              <a:off x="6090844" y="6732811"/>
+              <a:ext cx="0" cy="1055989"/>
+            </a:xfrm>
+            <a:prstGeom prst="line">
+              <a:avLst/>
+            </a:prstGeom>
+            <a:ln w="28575">
+              <a:solidFill>
+                <a:schemeClr val="tx1"/>
+              </a:solidFill>
+              <a:prstDash val="solid"/>
+            </a:ln>
+          </p:spPr>
+          <p:style>
+            <a:lnRef idx="1">
+              <a:schemeClr val="dk1"/>
+            </a:lnRef>
+            <a:fillRef idx="0">
+              <a:schemeClr val="dk1"/>
+            </a:fillRef>
+            <a:effectRef idx="0">
+              <a:schemeClr val="dk1"/>
+            </a:effectRef>
+            <a:fontRef idx="minor">
+              <a:schemeClr val="tx1"/>
+            </a:fontRef>
+          </p:style>
+        </p:cxnSp>
+        <p:cxnSp>
+          <p:nvCxnSpPr>
+            <p:cNvPr id="112" name="直線コネクタ 111">
+              <a:extLst>
+                <a:ext uri="{FF2B5EF4-FFF2-40B4-BE49-F238E27FC236}">
+                  <a16:creationId xmlns:a16="http://schemas.microsoft.com/office/drawing/2014/main" id="{B498D569-2B75-934E-86D9-2AACA4C565A6}"/>
+                </a:ext>
+              </a:extLst>
+            </p:cNvPr>
+            <p:cNvCxnSpPr>
+              <a:cxnSpLocks/>
+            </p:cNvCxnSpPr>
+            <p:nvPr/>
+          </p:nvCxnSpPr>
+          <p:spPr>
+            <a:xfrm flipV="1">
+              <a:off x="6092469" y="175859"/>
+              <a:ext cx="0" cy="499676"/>
+            </a:xfrm>
+            <a:prstGeom prst="line">
+              <a:avLst/>
+            </a:prstGeom>
+            <a:ln w="28575">
+              <a:solidFill>
+                <a:schemeClr val="tx1"/>
+              </a:solidFill>
+              <a:prstDash val="solid"/>
+            </a:ln>
+          </p:spPr>
+          <p:style>
+            <a:lnRef idx="1">
+              <a:schemeClr val="dk1"/>
+            </a:lnRef>
+            <a:fillRef idx="0">
+              <a:schemeClr val="dk1"/>
+            </a:fillRef>
+            <a:effectRef idx="0">
+              <a:schemeClr val="dk1"/>
+            </a:effectRef>
+            <a:fontRef idx="minor">
+              <a:schemeClr val="tx1"/>
+            </a:fontRef>
+          </p:style>
+        </p:cxnSp>
+        <p:cxnSp>
+          <p:nvCxnSpPr>
+            <p:cNvPr id="124" name="直線コネクタ 123">
+              <a:extLst>
+                <a:ext uri="{FF2B5EF4-FFF2-40B4-BE49-F238E27FC236}">
+                  <a16:creationId xmlns:a16="http://schemas.microsoft.com/office/drawing/2014/main" id="{EB6B727D-2339-4544-93E5-9EA531CBD270}"/>
+                </a:ext>
+              </a:extLst>
+            </p:cNvPr>
+            <p:cNvCxnSpPr>
+              <a:cxnSpLocks/>
+            </p:cNvCxnSpPr>
+            <p:nvPr/>
+          </p:nvCxnSpPr>
+          <p:spPr>
+            <a:xfrm flipV="1">
+              <a:off x="6090182" y="4630131"/>
+              <a:ext cx="0" cy="544327"/>
+            </a:xfrm>
+            <a:prstGeom prst="line">
+              <a:avLst/>
+            </a:prstGeom>
+            <a:ln w="28575">
+              <a:solidFill>
+                <a:schemeClr val="tx1"/>
+              </a:solidFill>
+              <a:prstDash val="solid"/>
+            </a:ln>
+          </p:spPr>
+          <p:style>
+            <a:lnRef idx="1">
+              <a:schemeClr val="dk1"/>
+            </a:lnRef>
+            <a:fillRef idx="0">
+              <a:schemeClr val="dk1"/>
+            </a:fillRef>
+            <a:effectRef idx="0">
+              <a:schemeClr val="dk1"/>
+            </a:effectRef>
+            <a:fontRef idx="minor">
+              <a:schemeClr val="tx1"/>
+            </a:fontRef>
+          </p:style>
+        </p:cxnSp>
+        <p:cxnSp>
+          <p:nvCxnSpPr>
+            <p:cNvPr id="126" name="直線コネクタ 125">
+              <a:extLst>
+                <a:ext uri="{FF2B5EF4-FFF2-40B4-BE49-F238E27FC236}">
+                  <a16:creationId xmlns:a16="http://schemas.microsoft.com/office/drawing/2014/main" id="{CE4176DB-A81E-6D4D-8428-517924F26153}"/>
+                </a:ext>
+              </a:extLst>
+            </p:cNvPr>
+            <p:cNvCxnSpPr>
+              <a:cxnSpLocks/>
+            </p:cNvCxnSpPr>
+            <p:nvPr/>
+          </p:nvCxnSpPr>
+          <p:spPr>
+            <a:xfrm flipV="1">
+              <a:off x="6305593" y="4261828"/>
+              <a:ext cx="0" cy="368303"/>
+            </a:xfrm>
+            <a:prstGeom prst="line">
+              <a:avLst/>
+            </a:prstGeom>
+            <a:ln w="28575">
+              <a:solidFill>
+                <a:schemeClr val="tx1"/>
+              </a:solidFill>
+              <a:prstDash val="solid"/>
+            </a:ln>
+          </p:spPr>
+          <p:style>
+            <a:lnRef idx="1">
+              <a:schemeClr val="dk1"/>
+            </a:lnRef>
+            <a:fillRef idx="0">
+              <a:schemeClr val="dk1"/>
+            </a:fillRef>
+            <a:effectRef idx="0">
+              <a:schemeClr val="dk1"/>
+            </a:effectRef>
+            <a:fontRef idx="minor">
+              <a:schemeClr val="tx1"/>
+            </a:fontRef>
+          </p:style>
+        </p:cxnSp>
+        <p:cxnSp>
+          <p:nvCxnSpPr>
+            <p:cNvPr id="128" name="直線コネクタ 127">
+              <a:extLst>
+                <a:ext uri="{FF2B5EF4-FFF2-40B4-BE49-F238E27FC236}">
+                  <a16:creationId xmlns:a16="http://schemas.microsoft.com/office/drawing/2014/main" id="{45949B75-FDCE-C141-91B3-F3C1ADE59A51}"/>
+                </a:ext>
+              </a:extLst>
+            </p:cNvPr>
+            <p:cNvCxnSpPr>
+              <a:cxnSpLocks/>
+            </p:cNvCxnSpPr>
+            <p:nvPr/>
+          </p:nvCxnSpPr>
+          <p:spPr>
+            <a:xfrm>
+              <a:off x="6089904" y="4630131"/>
+              <a:ext cx="215689" cy="0"/>
+            </a:xfrm>
+            <a:prstGeom prst="line">
+              <a:avLst/>
+            </a:prstGeom>
+            <a:ln w="28575">
+              <a:solidFill>
+                <a:schemeClr val="tx1"/>
+              </a:solidFill>
+              <a:prstDash val="solid"/>
+            </a:ln>
+          </p:spPr>
+          <p:style>
+            <a:lnRef idx="1">
+              <a:schemeClr val="dk1"/>
+            </a:lnRef>
+            <a:fillRef idx="0">
+              <a:schemeClr val="dk1"/>
+            </a:fillRef>
+            <a:effectRef idx="0">
+              <a:schemeClr val="dk1"/>
+            </a:effectRef>
+            <a:fontRef idx="minor">
+              <a:schemeClr val="tx1"/>
+            </a:fontRef>
+          </p:style>
+        </p:cxnSp>
+        <p:cxnSp>
+          <p:nvCxnSpPr>
+            <p:cNvPr id="130" name="直線コネクタ 129">
+              <a:extLst>
+                <a:ext uri="{FF2B5EF4-FFF2-40B4-BE49-F238E27FC236}">
+                  <a16:creationId xmlns:a16="http://schemas.microsoft.com/office/drawing/2014/main" id="{0330FB9E-4F81-F944-85E2-F42FB7FCAC4F}"/>
+                </a:ext>
+              </a:extLst>
+            </p:cNvPr>
+            <p:cNvCxnSpPr>
+              <a:cxnSpLocks/>
+            </p:cNvCxnSpPr>
+            <p:nvPr/>
+          </p:nvCxnSpPr>
+          <p:spPr>
+            <a:xfrm>
+              <a:off x="6090776" y="4269779"/>
+              <a:ext cx="214817" cy="0"/>
+            </a:xfrm>
+            <a:prstGeom prst="line">
+              <a:avLst/>
+            </a:prstGeom>
+            <a:ln w="28575">
+              <a:solidFill>
+                <a:schemeClr val="tx1"/>
+              </a:solidFill>
+              <a:prstDash val="solid"/>
+            </a:ln>
+          </p:spPr>
+          <p:style>
+            <a:lnRef idx="1">
+              <a:schemeClr val="dk1"/>
+            </a:lnRef>
+            <a:fillRef idx="0">
+              <a:schemeClr val="dk1"/>
+            </a:fillRef>
+            <a:effectRef idx="0">
+              <a:schemeClr val="dk1"/>
+            </a:effectRef>
+            <a:fontRef idx="minor">
+              <a:schemeClr val="tx1"/>
+            </a:fontRef>
+          </p:style>
+        </p:cxnSp>
+      </p:grpSp>
     </p:spTree>
     <p:extLst>
       <p:ext uri="{BB962C8B-B14F-4D97-AF65-F5344CB8AC3E}">

--- a/修論/本文/figure/fig_2_1_wafer_structure.pptx
+++ b/修論/本文/figure/fig_2_1_wafer_structure.pptx
@@ -8861,7 +8861,7 @@
         </p:nvSpPr>
         <p:spPr>
           <a:xfrm>
-            <a:off x="5959508" y="-256953"/>
+            <a:off x="5640482" y="-240616"/>
             <a:ext cx="1330221" cy="369332"/>
           </a:xfrm>
           <a:prstGeom prst="rect">
@@ -9562,6 +9562,1240 @@
           </p:style>
         </p:cxnSp>
       </p:grpSp>
+      <p:cxnSp>
+        <p:nvCxnSpPr>
+          <p:cNvPr id="178" name="直線コネクタ 177">
+            <a:extLst>
+              <a:ext uri="{FF2B5EF4-FFF2-40B4-BE49-F238E27FC236}">
+                <a16:creationId xmlns:a16="http://schemas.microsoft.com/office/drawing/2014/main" id="{6579DA72-6394-CB42-8E32-97005DB73824}"/>
+              </a:ext>
+            </a:extLst>
+          </p:cNvPr>
+          <p:cNvCxnSpPr>
+            <a:cxnSpLocks/>
+          </p:cNvCxnSpPr>
+          <p:nvPr/>
+        </p:nvCxnSpPr>
+        <p:spPr>
+          <a:xfrm flipH="1" flipV="1">
+            <a:off x="5422213" y="5155386"/>
+            <a:ext cx="674544" cy="565902"/>
+          </a:xfrm>
+          <a:prstGeom prst="line">
+            <a:avLst/>
+          </a:prstGeom>
+          <a:ln w="28575">
+            <a:solidFill>
+              <a:srgbClr val="00B050"/>
+            </a:solidFill>
+            <a:prstDash val="solid"/>
+          </a:ln>
+        </p:spPr>
+        <p:style>
+          <a:lnRef idx="1">
+            <a:schemeClr val="dk1"/>
+          </a:lnRef>
+          <a:fillRef idx="0">
+            <a:schemeClr val="dk1"/>
+          </a:fillRef>
+          <a:effectRef idx="0">
+            <a:schemeClr val="dk1"/>
+          </a:effectRef>
+          <a:fontRef idx="minor">
+            <a:schemeClr val="tx1"/>
+          </a:fontRef>
+        </p:style>
+      </p:cxnSp>
+      <p:cxnSp>
+        <p:nvCxnSpPr>
+          <p:cNvPr id="179" name="直線コネクタ 178">
+            <a:extLst>
+              <a:ext uri="{FF2B5EF4-FFF2-40B4-BE49-F238E27FC236}">
+                <a16:creationId xmlns:a16="http://schemas.microsoft.com/office/drawing/2014/main" id="{51BF72D7-E446-1F44-AECF-9346C45BA0DA}"/>
+              </a:ext>
+            </a:extLst>
+          </p:cNvPr>
+          <p:cNvCxnSpPr>
+            <a:cxnSpLocks/>
+          </p:cNvCxnSpPr>
+          <p:nvPr/>
+        </p:nvCxnSpPr>
+        <p:spPr>
+          <a:xfrm flipV="1">
+            <a:off x="5422213" y="6225542"/>
+            <a:ext cx="674543" cy="486807"/>
+          </a:xfrm>
+          <a:prstGeom prst="line">
+            <a:avLst/>
+          </a:prstGeom>
+          <a:ln w="28575">
+            <a:solidFill>
+              <a:srgbClr val="00B050"/>
+            </a:solidFill>
+            <a:prstDash val="solid"/>
+          </a:ln>
+        </p:spPr>
+        <p:style>
+          <a:lnRef idx="1">
+            <a:schemeClr val="dk1"/>
+          </a:lnRef>
+          <a:fillRef idx="0">
+            <a:schemeClr val="dk1"/>
+          </a:fillRef>
+          <a:effectRef idx="0">
+            <a:schemeClr val="dk1"/>
+          </a:effectRef>
+          <a:fontRef idx="minor">
+            <a:schemeClr val="tx1"/>
+          </a:fontRef>
+        </p:style>
+      </p:cxnSp>
+      <p:cxnSp>
+        <p:nvCxnSpPr>
+          <p:cNvPr id="181" name="直線コネクタ 180">
+            <a:extLst>
+              <a:ext uri="{FF2B5EF4-FFF2-40B4-BE49-F238E27FC236}">
+                <a16:creationId xmlns:a16="http://schemas.microsoft.com/office/drawing/2014/main" id="{A11FC043-C8BA-6D41-9773-0365B35E8035}"/>
+              </a:ext>
+            </a:extLst>
+          </p:cNvPr>
+          <p:cNvCxnSpPr>
+            <a:cxnSpLocks/>
+          </p:cNvCxnSpPr>
+          <p:nvPr/>
+        </p:nvCxnSpPr>
+        <p:spPr>
+          <a:xfrm flipV="1">
+            <a:off x="6097733" y="5725730"/>
+            <a:ext cx="0" cy="504254"/>
+          </a:xfrm>
+          <a:prstGeom prst="line">
+            <a:avLst/>
+          </a:prstGeom>
+          <a:ln w="28575">
+            <a:solidFill>
+              <a:srgbClr val="00B050"/>
+            </a:solidFill>
+            <a:prstDash val="solid"/>
+          </a:ln>
+        </p:spPr>
+        <p:style>
+          <a:lnRef idx="1">
+            <a:schemeClr val="dk1"/>
+          </a:lnRef>
+          <a:fillRef idx="0">
+            <a:schemeClr val="dk1"/>
+          </a:fillRef>
+          <a:effectRef idx="0">
+            <a:schemeClr val="dk1"/>
+          </a:effectRef>
+          <a:fontRef idx="minor">
+            <a:schemeClr val="tx1"/>
+          </a:fontRef>
+        </p:style>
+      </p:cxnSp>
+      <p:cxnSp>
+        <p:nvCxnSpPr>
+          <p:cNvPr id="183" name="直線コネクタ 182">
+            <a:extLst>
+              <a:ext uri="{FF2B5EF4-FFF2-40B4-BE49-F238E27FC236}">
+                <a16:creationId xmlns:a16="http://schemas.microsoft.com/office/drawing/2014/main" id="{914F9CA0-749B-AB4B-A4CA-FF6F6566D583}"/>
+              </a:ext>
+            </a:extLst>
+          </p:cNvPr>
+          <p:cNvCxnSpPr>
+            <a:cxnSpLocks/>
+          </p:cNvCxnSpPr>
+          <p:nvPr/>
+        </p:nvCxnSpPr>
+        <p:spPr>
+          <a:xfrm flipV="1">
+            <a:off x="5433392" y="2733035"/>
+            <a:ext cx="0" cy="489953"/>
+          </a:xfrm>
+          <a:prstGeom prst="line">
+            <a:avLst/>
+          </a:prstGeom>
+          <a:ln w="28575">
+            <a:solidFill>
+              <a:srgbClr val="00B050"/>
+            </a:solidFill>
+            <a:prstDash val="solid"/>
+          </a:ln>
+        </p:spPr>
+        <p:style>
+          <a:lnRef idx="1">
+            <a:schemeClr val="dk1"/>
+          </a:lnRef>
+          <a:fillRef idx="0">
+            <a:schemeClr val="dk1"/>
+          </a:fillRef>
+          <a:effectRef idx="0">
+            <a:schemeClr val="dk1"/>
+          </a:effectRef>
+          <a:fontRef idx="minor">
+            <a:schemeClr val="tx1"/>
+          </a:fontRef>
+        </p:style>
+      </p:cxnSp>
+      <p:cxnSp>
+        <p:nvCxnSpPr>
+          <p:cNvPr id="185" name="直線コネクタ 184">
+            <a:extLst>
+              <a:ext uri="{FF2B5EF4-FFF2-40B4-BE49-F238E27FC236}">
+                <a16:creationId xmlns:a16="http://schemas.microsoft.com/office/drawing/2014/main" id="{5FEF2D05-E9D1-C043-8260-4FB987203B62}"/>
+              </a:ext>
+            </a:extLst>
+          </p:cNvPr>
+          <p:cNvCxnSpPr>
+            <a:cxnSpLocks/>
+          </p:cNvCxnSpPr>
+          <p:nvPr/>
+        </p:nvCxnSpPr>
+        <p:spPr>
+          <a:xfrm>
+            <a:off x="5426044" y="668733"/>
+            <a:ext cx="670712" cy="503334"/>
+          </a:xfrm>
+          <a:prstGeom prst="line">
+            <a:avLst/>
+          </a:prstGeom>
+          <a:ln w="28575">
+            <a:solidFill>
+              <a:srgbClr val="00B050"/>
+            </a:solidFill>
+            <a:prstDash val="solid"/>
+          </a:ln>
+        </p:spPr>
+        <p:style>
+          <a:lnRef idx="1">
+            <a:schemeClr val="dk1"/>
+          </a:lnRef>
+          <a:fillRef idx="0">
+            <a:schemeClr val="dk1"/>
+          </a:fillRef>
+          <a:effectRef idx="0">
+            <a:schemeClr val="dk1"/>
+          </a:effectRef>
+          <a:fontRef idx="minor">
+            <a:schemeClr val="tx1"/>
+          </a:fontRef>
+        </p:style>
+      </p:cxnSp>
+      <p:cxnSp>
+        <p:nvCxnSpPr>
+          <p:cNvPr id="188" name="直線コネクタ 187">
+            <a:extLst>
+              <a:ext uri="{FF2B5EF4-FFF2-40B4-BE49-F238E27FC236}">
+                <a16:creationId xmlns:a16="http://schemas.microsoft.com/office/drawing/2014/main" id="{CFA974B8-5AE4-3D4F-BC5C-1969ED48069A}"/>
+              </a:ext>
+            </a:extLst>
+          </p:cNvPr>
+          <p:cNvCxnSpPr>
+            <a:cxnSpLocks/>
+          </p:cNvCxnSpPr>
+          <p:nvPr/>
+        </p:nvCxnSpPr>
+        <p:spPr>
+          <a:xfrm flipV="1">
+            <a:off x="5422213" y="2228323"/>
+            <a:ext cx="682316" cy="478049"/>
+          </a:xfrm>
+          <a:prstGeom prst="line">
+            <a:avLst/>
+          </a:prstGeom>
+          <a:ln w="28575">
+            <a:solidFill>
+              <a:srgbClr val="00B050"/>
+            </a:solidFill>
+            <a:prstDash val="solid"/>
+          </a:ln>
+        </p:spPr>
+        <p:style>
+          <a:lnRef idx="1">
+            <a:schemeClr val="dk1"/>
+          </a:lnRef>
+          <a:fillRef idx="0">
+            <a:schemeClr val="dk1"/>
+          </a:fillRef>
+          <a:effectRef idx="0">
+            <a:schemeClr val="dk1"/>
+          </a:effectRef>
+          <a:fontRef idx="minor">
+            <a:schemeClr val="tx1"/>
+          </a:fontRef>
+        </p:style>
+      </p:cxnSp>
+      <p:cxnSp>
+        <p:nvCxnSpPr>
+          <p:cNvPr id="193" name="直線コネクタ 192">
+            <a:extLst>
+              <a:ext uri="{FF2B5EF4-FFF2-40B4-BE49-F238E27FC236}">
+                <a16:creationId xmlns:a16="http://schemas.microsoft.com/office/drawing/2014/main" id="{A555DDFD-C4A2-E547-9818-6CD7F9A9F621}"/>
+              </a:ext>
+            </a:extLst>
+          </p:cNvPr>
+          <p:cNvCxnSpPr>
+            <a:cxnSpLocks/>
+          </p:cNvCxnSpPr>
+          <p:nvPr/>
+        </p:nvCxnSpPr>
+        <p:spPr>
+          <a:xfrm flipV="1">
+            <a:off x="6097733" y="1170165"/>
+            <a:ext cx="0" cy="1051434"/>
+          </a:xfrm>
+          <a:prstGeom prst="line">
+            <a:avLst/>
+          </a:prstGeom>
+          <a:ln w="28575">
+            <a:solidFill>
+              <a:srgbClr val="00B050"/>
+            </a:solidFill>
+            <a:prstDash val="solid"/>
+          </a:ln>
+        </p:spPr>
+        <p:style>
+          <a:lnRef idx="1">
+            <a:schemeClr val="dk1"/>
+          </a:lnRef>
+          <a:fillRef idx="0">
+            <a:schemeClr val="dk1"/>
+          </a:fillRef>
+          <a:effectRef idx="0">
+            <a:schemeClr val="dk1"/>
+          </a:effectRef>
+          <a:fontRef idx="minor">
+            <a:schemeClr val="tx1"/>
+          </a:fontRef>
+        </p:style>
+      </p:cxnSp>
+      <p:cxnSp>
+        <p:nvCxnSpPr>
+          <p:cNvPr id="194" name="直線コネクタ 193">
+            <a:extLst>
+              <a:ext uri="{FF2B5EF4-FFF2-40B4-BE49-F238E27FC236}">
+                <a16:creationId xmlns:a16="http://schemas.microsoft.com/office/drawing/2014/main" id="{48AA5726-FBE4-1A41-BFBB-A82B6C003AFC}"/>
+              </a:ext>
+            </a:extLst>
+          </p:cNvPr>
+          <p:cNvCxnSpPr>
+            <a:cxnSpLocks/>
+          </p:cNvCxnSpPr>
+          <p:nvPr/>
+        </p:nvCxnSpPr>
+        <p:spPr>
+          <a:xfrm flipH="1" flipV="1">
+            <a:off x="5426176" y="6732811"/>
+            <a:ext cx="0" cy="1055989"/>
+          </a:xfrm>
+          <a:prstGeom prst="line">
+            <a:avLst/>
+          </a:prstGeom>
+          <a:ln w="28575">
+            <a:solidFill>
+              <a:srgbClr val="00B050"/>
+            </a:solidFill>
+            <a:prstDash val="solid"/>
+          </a:ln>
+        </p:spPr>
+        <p:style>
+          <a:lnRef idx="1">
+            <a:schemeClr val="dk1"/>
+          </a:lnRef>
+          <a:fillRef idx="0">
+            <a:schemeClr val="dk1"/>
+          </a:fillRef>
+          <a:effectRef idx="0">
+            <a:schemeClr val="dk1"/>
+          </a:effectRef>
+          <a:fontRef idx="minor">
+            <a:schemeClr val="tx1"/>
+          </a:fontRef>
+        </p:style>
+      </p:cxnSp>
+      <p:cxnSp>
+        <p:nvCxnSpPr>
+          <p:cNvPr id="195" name="直線コネクタ 194">
+            <a:extLst>
+              <a:ext uri="{FF2B5EF4-FFF2-40B4-BE49-F238E27FC236}">
+                <a16:creationId xmlns:a16="http://schemas.microsoft.com/office/drawing/2014/main" id="{12B749E9-E269-494B-AB6B-91C21B8CBE52}"/>
+              </a:ext>
+            </a:extLst>
+          </p:cNvPr>
+          <p:cNvCxnSpPr>
+            <a:cxnSpLocks/>
+          </p:cNvCxnSpPr>
+          <p:nvPr/>
+        </p:nvCxnSpPr>
+        <p:spPr>
+          <a:xfrm flipV="1">
+            <a:off x="5427309" y="175859"/>
+            <a:ext cx="0" cy="499676"/>
+          </a:xfrm>
+          <a:prstGeom prst="line">
+            <a:avLst/>
+          </a:prstGeom>
+          <a:ln w="28575">
+            <a:solidFill>
+              <a:srgbClr val="00B050"/>
+            </a:solidFill>
+            <a:prstDash val="solid"/>
+          </a:ln>
+        </p:spPr>
+        <p:style>
+          <a:lnRef idx="1">
+            <a:schemeClr val="dk1"/>
+          </a:lnRef>
+          <a:fillRef idx="0">
+            <a:schemeClr val="dk1"/>
+          </a:fillRef>
+          <a:effectRef idx="0">
+            <a:schemeClr val="dk1"/>
+          </a:effectRef>
+          <a:fontRef idx="minor">
+            <a:schemeClr val="tx1"/>
+          </a:fontRef>
+        </p:style>
+      </p:cxnSp>
+      <p:cxnSp>
+        <p:nvCxnSpPr>
+          <p:cNvPr id="196" name="直線コネクタ 195">
+            <a:extLst>
+              <a:ext uri="{FF2B5EF4-FFF2-40B4-BE49-F238E27FC236}">
+                <a16:creationId xmlns:a16="http://schemas.microsoft.com/office/drawing/2014/main" id="{176F477E-7DF2-E248-9634-135B8FBAD45F}"/>
+              </a:ext>
+            </a:extLst>
+          </p:cNvPr>
+          <p:cNvCxnSpPr>
+            <a:cxnSpLocks/>
+          </p:cNvCxnSpPr>
+          <p:nvPr/>
+        </p:nvCxnSpPr>
+        <p:spPr>
+          <a:xfrm flipV="1">
+            <a:off x="5420885" y="4630130"/>
+            <a:ext cx="0" cy="544327"/>
+          </a:xfrm>
+          <a:prstGeom prst="line">
+            <a:avLst/>
+          </a:prstGeom>
+          <a:ln w="28575">
+            <a:solidFill>
+              <a:srgbClr val="00B050"/>
+            </a:solidFill>
+            <a:prstDash val="solid"/>
+          </a:ln>
+        </p:spPr>
+        <p:style>
+          <a:lnRef idx="1">
+            <a:schemeClr val="dk1"/>
+          </a:lnRef>
+          <a:fillRef idx="0">
+            <a:schemeClr val="dk1"/>
+          </a:fillRef>
+          <a:effectRef idx="0">
+            <a:schemeClr val="dk1"/>
+          </a:effectRef>
+          <a:fontRef idx="minor">
+            <a:schemeClr val="tx1"/>
+          </a:fontRef>
+        </p:style>
+      </p:cxnSp>
+      <p:cxnSp>
+        <p:nvCxnSpPr>
+          <p:cNvPr id="197" name="直線コネクタ 196">
+            <a:extLst>
+              <a:ext uri="{FF2B5EF4-FFF2-40B4-BE49-F238E27FC236}">
+                <a16:creationId xmlns:a16="http://schemas.microsoft.com/office/drawing/2014/main" id="{718245E1-139F-2840-99D6-B7E74308B5D7}"/>
+              </a:ext>
+            </a:extLst>
+          </p:cNvPr>
+          <p:cNvCxnSpPr>
+            <a:cxnSpLocks/>
+          </p:cNvCxnSpPr>
+          <p:nvPr/>
+        </p:nvCxnSpPr>
+        <p:spPr>
+          <a:xfrm flipV="1">
+            <a:off x="5293043" y="4261829"/>
+            <a:ext cx="0" cy="84155"/>
+          </a:xfrm>
+          <a:prstGeom prst="line">
+            <a:avLst/>
+          </a:prstGeom>
+          <a:ln w="28575">
+            <a:solidFill>
+              <a:srgbClr val="00B050"/>
+            </a:solidFill>
+            <a:prstDash val="solid"/>
+          </a:ln>
+        </p:spPr>
+        <p:style>
+          <a:lnRef idx="1">
+            <a:schemeClr val="dk1"/>
+          </a:lnRef>
+          <a:fillRef idx="0">
+            <a:schemeClr val="dk1"/>
+          </a:fillRef>
+          <a:effectRef idx="0">
+            <a:schemeClr val="dk1"/>
+          </a:effectRef>
+          <a:fontRef idx="minor">
+            <a:schemeClr val="tx1"/>
+          </a:fontRef>
+        </p:style>
+      </p:cxnSp>
+      <p:cxnSp>
+        <p:nvCxnSpPr>
+          <p:cNvPr id="201" name="直線コネクタ 200">
+            <a:extLst>
+              <a:ext uri="{FF2B5EF4-FFF2-40B4-BE49-F238E27FC236}">
+                <a16:creationId xmlns:a16="http://schemas.microsoft.com/office/drawing/2014/main" id="{BA2FAE4D-ED85-124A-95CD-341FD3F3CA51}"/>
+              </a:ext>
+            </a:extLst>
+          </p:cNvPr>
+          <p:cNvCxnSpPr>
+            <a:cxnSpLocks/>
+          </p:cNvCxnSpPr>
+          <p:nvPr/>
+        </p:nvCxnSpPr>
+        <p:spPr>
+          <a:xfrm>
+            <a:off x="5283553" y="4269779"/>
+            <a:ext cx="130534" cy="0"/>
+          </a:xfrm>
+          <a:prstGeom prst="line">
+            <a:avLst/>
+          </a:prstGeom>
+          <a:ln w="28575">
+            <a:solidFill>
+              <a:srgbClr val="00B050"/>
+            </a:solidFill>
+            <a:prstDash val="solid"/>
+          </a:ln>
+        </p:spPr>
+        <p:style>
+          <a:lnRef idx="1">
+            <a:schemeClr val="dk1"/>
+          </a:lnRef>
+          <a:fillRef idx="0">
+            <a:schemeClr val="dk1"/>
+          </a:fillRef>
+          <a:effectRef idx="0">
+            <a:schemeClr val="dk1"/>
+          </a:effectRef>
+          <a:fontRef idx="minor">
+            <a:schemeClr val="tx1"/>
+          </a:fontRef>
+        </p:style>
+      </p:cxnSp>
+      <p:cxnSp>
+        <p:nvCxnSpPr>
+          <p:cNvPr id="202" name="直線コネクタ 201">
+            <a:extLst>
+              <a:ext uri="{FF2B5EF4-FFF2-40B4-BE49-F238E27FC236}">
+                <a16:creationId xmlns:a16="http://schemas.microsoft.com/office/drawing/2014/main" id="{327071A0-C90D-F645-8BB1-CD87663D7853}"/>
+              </a:ext>
+            </a:extLst>
+          </p:cNvPr>
+          <p:cNvCxnSpPr>
+            <a:cxnSpLocks/>
+          </p:cNvCxnSpPr>
+          <p:nvPr/>
+        </p:nvCxnSpPr>
+        <p:spPr>
+          <a:xfrm>
+            <a:off x="4796134" y="3215529"/>
+            <a:ext cx="1517577" cy="0"/>
+          </a:xfrm>
+          <a:prstGeom prst="line">
+            <a:avLst/>
+          </a:prstGeom>
+          <a:ln>
+            <a:prstDash val="dash"/>
+          </a:ln>
+        </p:spPr>
+        <p:style>
+          <a:lnRef idx="1">
+            <a:schemeClr val="dk1"/>
+          </a:lnRef>
+          <a:fillRef idx="0">
+            <a:schemeClr val="dk1"/>
+          </a:fillRef>
+          <a:effectRef idx="0">
+            <a:schemeClr val="dk1"/>
+          </a:effectRef>
+          <a:fontRef idx="minor">
+            <a:schemeClr val="tx1"/>
+          </a:fontRef>
+        </p:style>
+      </p:cxnSp>
+      <p:cxnSp>
+        <p:nvCxnSpPr>
+          <p:cNvPr id="203" name="直線コネクタ 202">
+            <a:extLst>
+              <a:ext uri="{FF2B5EF4-FFF2-40B4-BE49-F238E27FC236}">
+                <a16:creationId xmlns:a16="http://schemas.microsoft.com/office/drawing/2014/main" id="{1C788EE1-4F44-BC4F-8B57-5C09CCA9ED52}"/>
+              </a:ext>
+            </a:extLst>
+          </p:cNvPr>
+          <p:cNvCxnSpPr>
+            <a:cxnSpLocks/>
+          </p:cNvCxnSpPr>
+          <p:nvPr/>
+        </p:nvCxnSpPr>
+        <p:spPr>
+          <a:xfrm flipV="1">
+            <a:off x="5913442" y="3211043"/>
+            <a:ext cx="0" cy="511435"/>
+          </a:xfrm>
+          <a:prstGeom prst="line">
+            <a:avLst/>
+          </a:prstGeom>
+          <a:ln w="28575">
+            <a:solidFill>
+              <a:srgbClr val="00B050"/>
+            </a:solidFill>
+            <a:prstDash val="solid"/>
+          </a:ln>
+        </p:spPr>
+        <p:style>
+          <a:lnRef idx="1">
+            <a:schemeClr val="dk1"/>
+          </a:lnRef>
+          <a:fillRef idx="0">
+            <a:schemeClr val="dk1"/>
+          </a:fillRef>
+          <a:effectRef idx="0">
+            <a:schemeClr val="dk1"/>
+          </a:effectRef>
+          <a:fontRef idx="minor">
+            <a:schemeClr val="tx1"/>
+          </a:fontRef>
+        </p:style>
+      </p:cxnSp>
+      <p:cxnSp>
+        <p:nvCxnSpPr>
+          <p:cNvPr id="204" name="直線コネクタ 203">
+            <a:extLst>
+              <a:ext uri="{FF2B5EF4-FFF2-40B4-BE49-F238E27FC236}">
+                <a16:creationId xmlns:a16="http://schemas.microsoft.com/office/drawing/2014/main" id="{085C6752-4EC1-6D45-A898-FF92B80B7823}"/>
+              </a:ext>
+            </a:extLst>
+          </p:cNvPr>
+          <p:cNvCxnSpPr>
+            <a:cxnSpLocks/>
+          </p:cNvCxnSpPr>
+          <p:nvPr/>
+        </p:nvCxnSpPr>
+        <p:spPr>
+          <a:xfrm>
+            <a:off x="4788016" y="3722478"/>
+            <a:ext cx="1517577" cy="0"/>
+          </a:xfrm>
+          <a:prstGeom prst="line">
+            <a:avLst/>
+          </a:prstGeom>
+          <a:ln>
+            <a:prstDash val="dash"/>
+          </a:ln>
+        </p:spPr>
+        <p:style>
+          <a:lnRef idx="1">
+            <a:schemeClr val="dk1"/>
+          </a:lnRef>
+          <a:fillRef idx="0">
+            <a:schemeClr val="dk1"/>
+          </a:fillRef>
+          <a:effectRef idx="0">
+            <a:schemeClr val="dk1"/>
+          </a:effectRef>
+          <a:fontRef idx="minor">
+            <a:schemeClr val="tx1"/>
+          </a:fontRef>
+        </p:style>
+      </p:cxnSp>
+      <p:cxnSp>
+        <p:nvCxnSpPr>
+          <p:cNvPr id="205" name="直線コネクタ 204">
+            <a:extLst>
+              <a:ext uri="{FF2B5EF4-FFF2-40B4-BE49-F238E27FC236}">
+                <a16:creationId xmlns:a16="http://schemas.microsoft.com/office/drawing/2014/main" id="{ED54CA8A-29CF-8646-9136-565B40AED842}"/>
+              </a:ext>
+            </a:extLst>
+          </p:cNvPr>
+          <p:cNvCxnSpPr>
+            <a:cxnSpLocks/>
+          </p:cNvCxnSpPr>
+          <p:nvPr/>
+        </p:nvCxnSpPr>
+        <p:spPr>
+          <a:xfrm flipV="1">
+            <a:off x="5423205" y="3711508"/>
+            <a:ext cx="0" cy="579598"/>
+          </a:xfrm>
+          <a:prstGeom prst="line">
+            <a:avLst/>
+          </a:prstGeom>
+          <a:ln w="28575">
+            <a:solidFill>
+              <a:srgbClr val="00B050"/>
+            </a:solidFill>
+            <a:prstDash val="solid"/>
+          </a:ln>
+        </p:spPr>
+        <p:style>
+          <a:lnRef idx="1">
+            <a:schemeClr val="dk1"/>
+          </a:lnRef>
+          <a:fillRef idx="0">
+            <a:schemeClr val="dk1"/>
+          </a:fillRef>
+          <a:effectRef idx="0">
+            <a:schemeClr val="dk1"/>
+          </a:effectRef>
+          <a:fontRef idx="minor">
+            <a:schemeClr val="tx1"/>
+          </a:fontRef>
+        </p:style>
+      </p:cxnSp>
+      <p:cxnSp>
+        <p:nvCxnSpPr>
+          <p:cNvPr id="206" name="直線コネクタ 205">
+            <a:extLst>
+              <a:ext uri="{FF2B5EF4-FFF2-40B4-BE49-F238E27FC236}">
+                <a16:creationId xmlns:a16="http://schemas.microsoft.com/office/drawing/2014/main" id="{7115542E-834D-E049-8934-9794AF89951B}"/>
+              </a:ext>
+            </a:extLst>
+          </p:cNvPr>
+          <p:cNvCxnSpPr>
+            <a:cxnSpLocks/>
+          </p:cNvCxnSpPr>
+          <p:nvPr/>
+        </p:nvCxnSpPr>
+        <p:spPr>
+          <a:xfrm>
+            <a:off x="5418635" y="3219672"/>
+            <a:ext cx="494807" cy="0"/>
+          </a:xfrm>
+          <a:prstGeom prst="line">
+            <a:avLst/>
+          </a:prstGeom>
+          <a:ln w="28575">
+            <a:solidFill>
+              <a:srgbClr val="00B050"/>
+            </a:solidFill>
+            <a:prstDash val="solid"/>
+          </a:ln>
+        </p:spPr>
+        <p:style>
+          <a:lnRef idx="1">
+            <a:schemeClr val="dk1"/>
+          </a:lnRef>
+          <a:fillRef idx="0">
+            <a:schemeClr val="dk1"/>
+          </a:fillRef>
+          <a:effectRef idx="0">
+            <a:schemeClr val="dk1"/>
+          </a:effectRef>
+          <a:fontRef idx="minor">
+            <a:schemeClr val="tx1"/>
+          </a:fontRef>
+        </p:style>
+      </p:cxnSp>
+      <p:cxnSp>
+        <p:nvCxnSpPr>
+          <p:cNvPr id="207" name="直線コネクタ 206">
+            <a:extLst>
+              <a:ext uri="{FF2B5EF4-FFF2-40B4-BE49-F238E27FC236}">
+                <a16:creationId xmlns:a16="http://schemas.microsoft.com/office/drawing/2014/main" id="{6AE43641-1FD8-3A42-9D8E-E031EE2A3E52}"/>
+              </a:ext>
+            </a:extLst>
+          </p:cNvPr>
+          <p:cNvCxnSpPr>
+            <a:cxnSpLocks/>
+          </p:cNvCxnSpPr>
+          <p:nvPr/>
+        </p:nvCxnSpPr>
+        <p:spPr>
+          <a:xfrm>
+            <a:off x="5426406" y="3722478"/>
+            <a:ext cx="487036" cy="0"/>
+          </a:xfrm>
+          <a:prstGeom prst="line">
+            <a:avLst/>
+          </a:prstGeom>
+          <a:ln w="28575">
+            <a:solidFill>
+              <a:srgbClr val="00B050"/>
+            </a:solidFill>
+            <a:prstDash val="solid"/>
+          </a:ln>
+        </p:spPr>
+        <p:style>
+          <a:lnRef idx="1">
+            <a:schemeClr val="dk1"/>
+          </a:lnRef>
+          <a:fillRef idx="0">
+            <a:schemeClr val="dk1"/>
+          </a:fillRef>
+          <a:effectRef idx="0">
+            <a:schemeClr val="dk1"/>
+          </a:effectRef>
+          <a:fontRef idx="minor">
+            <a:schemeClr val="tx1"/>
+          </a:fontRef>
+        </p:style>
+      </p:cxnSp>
+      <p:cxnSp>
+        <p:nvCxnSpPr>
+          <p:cNvPr id="208" name="直線コネクタ 207">
+            <a:extLst>
+              <a:ext uri="{FF2B5EF4-FFF2-40B4-BE49-F238E27FC236}">
+                <a16:creationId xmlns:a16="http://schemas.microsoft.com/office/drawing/2014/main" id="{EAEA6ADE-C89E-B24B-8680-1321248C2722}"/>
+              </a:ext>
+            </a:extLst>
+          </p:cNvPr>
+          <p:cNvCxnSpPr>
+            <a:cxnSpLocks/>
+          </p:cNvCxnSpPr>
+          <p:nvPr/>
+        </p:nvCxnSpPr>
+        <p:spPr>
+          <a:xfrm>
+            <a:off x="5290855" y="4347554"/>
+            <a:ext cx="130534" cy="0"/>
+          </a:xfrm>
+          <a:prstGeom prst="line">
+            <a:avLst/>
+          </a:prstGeom>
+          <a:ln w="28575">
+            <a:solidFill>
+              <a:srgbClr val="00B050"/>
+            </a:solidFill>
+            <a:prstDash val="solid"/>
+          </a:ln>
+        </p:spPr>
+        <p:style>
+          <a:lnRef idx="1">
+            <a:schemeClr val="dk1"/>
+          </a:lnRef>
+          <a:fillRef idx="0">
+            <a:schemeClr val="dk1"/>
+          </a:fillRef>
+          <a:effectRef idx="0">
+            <a:schemeClr val="dk1"/>
+          </a:effectRef>
+          <a:fontRef idx="minor">
+            <a:schemeClr val="tx1"/>
+          </a:fontRef>
+        </p:style>
+      </p:cxnSp>
+      <p:cxnSp>
+        <p:nvCxnSpPr>
+          <p:cNvPr id="209" name="直線コネクタ 208">
+            <a:extLst>
+              <a:ext uri="{FF2B5EF4-FFF2-40B4-BE49-F238E27FC236}">
+                <a16:creationId xmlns:a16="http://schemas.microsoft.com/office/drawing/2014/main" id="{1F80C749-5969-7E42-AFF3-D75FE0B5D875}"/>
+              </a:ext>
+            </a:extLst>
+          </p:cNvPr>
+          <p:cNvCxnSpPr>
+            <a:cxnSpLocks/>
+          </p:cNvCxnSpPr>
+          <p:nvPr/>
+        </p:nvCxnSpPr>
+        <p:spPr>
+          <a:xfrm>
+            <a:off x="5290351" y="4421230"/>
+            <a:ext cx="130534" cy="0"/>
+          </a:xfrm>
+          <a:prstGeom prst="line">
+            <a:avLst/>
+          </a:prstGeom>
+          <a:ln w="28575">
+            <a:solidFill>
+              <a:srgbClr val="00B050"/>
+            </a:solidFill>
+            <a:prstDash val="solid"/>
+          </a:ln>
+        </p:spPr>
+        <p:style>
+          <a:lnRef idx="1">
+            <a:schemeClr val="dk1"/>
+          </a:lnRef>
+          <a:fillRef idx="0">
+            <a:schemeClr val="dk1"/>
+          </a:fillRef>
+          <a:effectRef idx="0">
+            <a:schemeClr val="dk1"/>
+          </a:effectRef>
+          <a:fontRef idx="minor">
+            <a:schemeClr val="tx1"/>
+          </a:fontRef>
+        </p:style>
+      </p:cxnSp>
+      <p:cxnSp>
+        <p:nvCxnSpPr>
+          <p:cNvPr id="210" name="直線コネクタ 209">
+            <a:extLst>
+              <a:ext uri="{FF2B5EF4-FFF2-40B4-BE49-F238E27FC236}">
+                <a16:creationId xmlns:a16="http://schemas.microsoft.com/office/drawing/2014/main" id="{5FD3FB3F-7EEF-7641-A219-C3B01B7530FC}"/>
+              </a:ext>
+            </a:extLst>
+          </p:cNvPr>
+          <p:cNvCxnSpPr>
+            <a:cxnSpLocks/>
+          </p:cNvCxnSpPr>
+          <p:nvPr/>
+        </p:nvCxnSpPr>
+        <p:spPr>
+          <a:xfrm>
+            <a:off x="5290351" y="4488850"/>
+            <a:ext cx="130534" cy="0"/>
+          </a:xfrm>
+          <a:prstGeom prst="line">
+            <a:avLst/>
+          </a:prstGeom>
+          <a:ln w="28575">
+            <a:solidFill>
+              <a:srgbClr val="00B050"/>
+            </a:solidFill>
+            <a:prstDash val="solid"/>
+          </a:ln>
+        </p:spPr>
+        <p:style>
+          <a:lnRef idx="1">
+            <a:schemeClr val="dk1"/>
+          </a:lnRef>
+          <a:fillRef idx="0">
+            <a:schemeClr val="dk1"/>
+          </a:fillRef>
+          <a:effectRef idx="0">
+            <a:schemeClr val="dk1"/>
+          </a:effectRef>
+          <a:fontRef idx="minor">
+            <a:schemeClr val="tx1"/>
+          </a:fontRef>
+        </p:style>
+      </p:cxnSp>
+      <p:cxnSp>
+        <p:nvCxnSpPr>
+          <p:cNvPr id="211" name="直線コネクタ 210">
+            <a:extLst>
+              <a:ext uri="{FF2B5EF4-FFF2-40B4-BE49-F238E27FC236}">
+                <a16:creationId xmlns:a16="http://schemas.microsoft.com/office/drawing/2014/main" id="{67F43B27-C41A-C246-8A21-F6804C65C73E}"/>
+              </a:ext>
+            </a:extLst>
+          </p:cNvPr>
+          <p:cNvCxnSpPr>
+            <a:cxnSpLocks/>
+          </p:cNvCxnSpPr>
+          <p:nvPr/>
+        </p:nvCxnSpPr>
+        <p:spPr>
+          <a:xfrm>
+            <a:off x="5290351" y="4562526"/>
+            <a:ext cx="130534" cy="0"/>
+          </a:xfrm>
+          <a:prstGeom prst="line">
+            <a:avLst/>
+          </a:prstGeom>
+          <a:ln w="28575">
+            <a:solidFill>
+              <a:srgbClr val="00B050"/>
+            </a:solidFill>
+            <a:prstDash val="solid"/>
+          </a:ln>
+        </p:spPr>
+        <p:style>
+          <a:lnRef idx="1">
+            <a:schemeClr val="dk1"/>
+          </a:lnRef>
+          <a:fillRef idx="0">
+            <a:schemeClr val="dk1"/>
+          </a:fillRef>
+          <a:effectRef idx="0">
+            <a:schemeClr val="dk1"/>
+          </a:effectRef>
+          <a:fontRef idx="minor">
+            <a:schemeClr val="tx1"/>
+          </a:fontRef>
+        </p:style>
+      </p:cxnSp>
+      <p:cxnSp>
+        <p:nvCxnSpPr>
+          <p:cNvPr id="212" name="直線コネクタ 211">
+            <a:extLst>
+              <a:ext uri="{FF2B5EF4-FFF2-40B4-BE49-F238E27FC236}">
+                <a16:creationId xmlns:a16="http://schemas.microsoft.com/office/drawing/2014/main" id="{0C0C6358-EC53-BF4D-9FF7-15FE34B6F4D9}"/>
+              </a:ext>
+            </a:extLst>
+          </p:cNvPr>
+          <p:cNvCxnSpPr>
+            <a:cxnSpLocks/>
+          </p:cNvCxnSpPr>
+          <p:nvPr/>
+        </p:nvCxnSpPr>
+        <p:spPr>
+          <a:xfrm>
+            <a:off x="5290351" y="4636202"/>
+            <a:ext cx="130534" cy="0"/>
+          </a:xfrm>
+          <a:prstGeom prst="line">
+            <a:avLst/>
+          </a:prstGeom>
+          <a:ln w="28575">
+            <a:solidFill>
+              <a:srgbClr val="00B050"/>
+            </a:solidFill>
+            <a:prstDash val="solid"/>
+          </a:ln>
+        </p:spPr>
+        <p:style>
+          <a:lnRef idx="1">
+            <a:schemeClr val="dk1"/>
+          </a:lnRef>
+          <a:fillRef idx="0">
+            <a:schemeClr val="dk1"/>
+          </a:fillRef>
+          <a:effectRef idx="0">
+            <a:schemeClr val="dk1"/>
+          </a:effectRef>
+          <a:fontRef idx="minor">
+            <a:schemeClr val="tx1"/>
+          </a:fontRef>
+        </p:style>
+      </p:cxnSp>
+      <p:cxnSp>
+        <p:nvCxnSpPr>
+          <p:cNvPr id="213" name="直線コネクタ 212">
+            <a:extLst>
+              <a:ext uri="{FF2B5EF4-FFF2-40B4-BE49-F238E27FC236}">
+                <a16:creationId xmlns:a16="http://schemas.microsoft.com/office/drawing/2014/main" id="{DE657889-62F7-EA40-A06B-10F95CB963C8}"/>
+              </a:ext>
+            </a:extLst>
+          </p:cNvPr>
+          <p:cNvCxnSpPr>
+            <a:cxnSpLocks/>
+          </p:cNvCxnSpPr>
+          <p:nvPr/>
+        </p:nvCxnSpPr>
+        <p:spPr>
+          <a:xfrm flipV="1">
+            <a:off x="5293043" y="4410756"/>
+            <a:ext cx="0" cy="84155"/>
+          </a:xfrm>
+          <a:prstGeom prst="line">
+            <a:avLst/>
+          </a:prstGeom>
+          <a:ln w="28575">
+            <a:solidFill>
+              <a:srgbClr val="00B050"/>
+            </a:solidFill>
+            <a:prstDash val="solid"/>
+          </a:ln>
+        </p:spPr>
+        <p:style>
+          <a:lnRef idx="1">
+            <a:schemeClr val="dk1"/>
+          </a:lnRef>
+          <a:fillRef idx="0">
+            <a:schemeClr val="dk1"/>
+          </a:fillRef>
+          <a:effectRef idx="0">
+            <a:schemeClr val="dk1"/>
+          </a:effectRef>
+          <a:fontRef idx="minor">
+            <a:schemeClr val="tx1"/>
+          </a:fontRef>
+        </p:style>
+      </p:cxnSp>
+      <p:cxnSp>
+        <p:nvCxnSpPr>
+          <p:cNvPr id="214" name="直線コネクタ 213">
+            <a:extLst>
+              <a:ext uri="{FF2B5EF4-FFF2-40B4-BE49-F238E27FC236}">
+                <a16:creationId xmlns:a16="http://schemas.microsoft.com/office/drawing/2014/main" id="{60353828-D980-3345-8376-D9ACD0A85269}"/>
+              </a:ext>
+            </a:extLst>
+          </p:cNvPr>
+          <p:cNvCxnSpPr>
+            <a:cxnSpLocks/>
+          </p:cNvCxnSpPr>
+          <p:nvPr/>
+        </p:nvCxnSpPr>
+        <p:spPr>
+          <a:xfrm flipV="1">
+            <a:off x="5293043" y="4562526"/>
+            <a:ext cx="0" cy="84155"/>
+          </a:xfrm>
+          <a:prstGeom prst="line">
+            <a:avLst/>
+          </a:prstGeom>
+          <a:ln w="28575">
+            <a:solidFill>
+              <a:srgbClr val="00B050"/>
+            </a:solidFill>
+            <a:prstDash val="solid"/>
+          </a:ln>
+        </p:spPr>
+        <p:style>
+          <a:lnRef idx="1">
+            <a:schemeClr val="dk1"/>
+          </a:lnRef>
+          <a:fillRef idx="0">
+            <a:schemeClr val="dk1"/>
+          </a:fillRef>
+          <a:effectRef idx="0">
+            <a:schemeClr val="dk1"/>
+          </a:effectRef>
+          <a:fontRef idx="minor">
+            <a:schemeClr val="tx1"/>
+          </a:fontRef>
+        </p:style>
+      </p:cxnSp>
+      <p:cxnSp>
+        <p:nvCxnSpPr>
+          <p:cNvPr id="215" name="直線コネクタ 214">
+            <a:extLst>
+              <a:ext uri="{FF2B5EF4-FFF2-40B4-BE49-F238E27FC236}">
+                <a16:creationId xmlns:a16="http://schemas.microsoft.com/office/drawing/2014/main" id="{571C2B96-397C-904A-A572-D0752D70F211}"/>
+              </a:ext>
+            </a:extLst>
+          </p:cNvPr>
+          <p:cNvCxnSpPr>
+            <a:cxnSpLocks/>
+          </p:cNvCxnSpPr>
+          <p:nvPr/>
+        </p:nvCxnSpPr>
+        <p:spPr>
+          <a:xfrm flipV="1">
+            <a:off x="5415551" y="4345984"/>
+            <a:ext cx="0" cy="84155"/>
+          </a:xfrm>
+          <a:prstGeom prst="line">
+            <a:avLst/>
+          </a:prstGeom>
+          <a:ln w="28575">
+            <a:solidFill>
+              <a:srgbClr val="00B050"/>
+            </a:solidFill>
+            <a:prstDash val="solid"/>
+          </a:ln>
+        </p:spPr>
+        <p:style>
+          <a:lnRef idx="1">
+            <a:schemeClr val="dk1"/>
+          </a:lnRef>
+          <a:fillRef idx="0">
+            <a:schemeClr val="dk1"/>
+          </a:fillRef>
+          <a:effectRef idx="0">
+            <a:schemeClr val="dk1"/>
+          </a:effectRef>
+          <a:fontRef idx="minor">
+            <a:schemeClr val="tx1"/>
+          </a:fontRef>
+        </p:style>
+      </p:cxnSp>
+      <p:cxnSp>
+        <p:nvCxnSpPr>
+          <p:cNvPr id="216" name="直線コネクタ 215">
+            <a:extLst>
+              <a:ext uri="{FF2B5EF4-FFF2-40B4-BE49-F238E27FC236}">
+                <a16:creationId xmlns:a16="http://schemas.microsoft.com/office/drawing/2014/main" id="{409FA07B-9B86-D847-A804-B4E679F100CE}"/>
+              </a:ext>
+            </a:extLst>
+          </p:cNvPr>
+          <p:cNvCxnSpPr>
+            <a:cxnSpLocks/>
+          </p:cNvCxnSpPr>
+          <p:nvPr/>
+        </p:nvCxnSpPr>
+        <p:spPr>
+          <a:xfrm flipV="1">
+            <a:off x="5414087" y="4478371"/>
+            <a:ext cx="0" cy="84155"/>
+          </a:xfrm>
+          <a:prstGeom prst="line">
+            <a:avLst/>
+          </a:prstGeom>
+          <a:ln w="28575">
+            <a:solidFill>
+              <a:srgbClr val="00B050"/>
+            </a:solidFill>
+            <a:prstDash val="solid"/>
+          </a:ln>
+        </p:spPr>
+        <p:style>
+          <a:lnRef idx="1">
+            <a:schemeClr val="dk1"/>
+          </a:lnRef>
+          <a:fillRef idx="0">
+            <a:schemeClr val="dk1"/>
+          </a:fillRef>
+          <a:effectRef idx="0">
+            <a:schemeClr val="dk1"/>
+          </a:effectRef>
+          <a:fontRef idx="minor">
+            <a:schemeClr val="tx1"/>
+          </a:fontRef>
+        </p:style>
+      </p:cxnSp>
+      <p:sp>
+        <p:nvSpPr>
+          <p:cNvPr id="220" name="テキスト ボックス 219">
+            <a:extLst>
+              <a:ext uri="{FF2B5EF4-FFF2-40B4-BE49-F238E27FC236}">
+                <a16:creationId xmlns:a16="http://schemas.microsoft.com/office/drawing/2014/main" id="{BF37DDA9-288F-054B-9CEC-49A7C6506800}"/>
+              </a:ext>
+            </a:extLst>
+          </p:cNvPr>
+          <p:cNvSpPr txBox="1"/>
+          <p:nvPr/>
+        </p:nvSpPr>
+        <p:spPr>
+          <a:xfrm>
+            <a:off x="5248331" y="-246809"/>
+            <a:ext cx="1330221" cy="369332"/>
+          </a:xfrm>
+          <a:prstGeom prst="rect">
+            <a:avLst/>
+          </a:prstGeom>
+          <a:noFill/>
+        </p:spPr>
+        <p:txBody>
+          <a:bodyPr wrap="square" rtlCol="0">
+            <a:spAutoFit/>
+          </a:bodyPr>
+          <a:lstStyle/>
+          <a:p>
+            <a:r>
+              <a:rPr lang="en-US" altLang="ja-JP" dirty="0" err="1">
+                <a:solidFill>
+                  <a:srgbClr val="00B050"/>
+                </a:solidFill>
+              </a:rPr>
+              <a:t>E</a:t>
+            </a:r>
+            <a:r>
+              <a:rPr lang="en-US" altLang="ja-JP" baseline="-25000" dirty="0" err="1">
+                <a:solidFill>
+                  <a:srgbClr val="00B050"/>
+                </a:solidFill>
+              </a:rPr>
+              <a:t>g</a:t>
+            </a:r>
+            <a:endParaRPr kumimoji="1" lang="ja-JP" altLang="en-US" baseline="-25000">
+              <a:solidFill>
+                <a:srgbClr val="00B050"/>
+              </a:solidFill>
+            </a:endParaRPr>
+          </a:p>
+        </p:txBody>
+      </p:sp>
     </p:spTree>
     <p:extLst>
       <p:ext uri="{BB962C8B-B14F-4D97-AF65-F5344CB8AC3E}">
